--- a/topicmodeling/presentation/topicmodel_presentation.pptx
+++ b/topicmodeling/presentation/topicmodel_presentation.pptx
@@ -13,8 +13,13 @@
     <p:sldId id="265" r:id="rId7"/>
     <p:sldId id="266" r:id="rId8"/>
     <p:sldId id="261" r:id="rId9"/>
-    <p:sldId id="259" r:id="rId10"/>
-    <p:sldId id="260" r:id="rId11"/>
+    <p:sldId id="269" r:id="rId10"/>
+    <p:sldId id="268" r:id="rId11"/>
+    <p:sldId id="267" r:id="rId12"/>
+    <p:sldId id="270" r:id="rId13"/>
+    <p:sldId id="271" r:id="rId14"/>
+    <p:sldId id="259" r:id="rId15"/>
+    <p:sldId id="260" r:id="rId16"/>
   </p:sldIdLst>
   <p:sldSz cx="12192000" cy="6858000"/>
   <p:notesSz cx="6858000" cy="9144000"/>
@@ -113,6 +118,11 @@
       </a:defRPr>
     </a:lvl9pPr>
   </p:defaultTextStyle>
+  <p:extLst>
+    <p:ext uri="{EFAFB233-063F-42B5-8137-9DF3F51BA10A}">
+      <p15:sldGuideLst xmlns:p15="http://schemas.microsoft.com/office/powerpoint/2012/main"/>
+    </p:ext>
+  </p:extLst>
 </p:presentation>
 </file>
 
@@ -2968,7 +2978,7 @@
           <a:p>
             <a:fld id="{F5F6CCD4-9BA8-48EE-BFD0-A699698EB9A2}" type="datetimeFigureOut">
               <a:rPr lang="en-US" smtClean="0"/>
-              <a:t>7/15/2019</a:t>
+              <a:t>7/16/2019</a:t>
             </a:fld>
             <a:endParaRPr lang="en-US"/>
           </a:p>
@@ -3166,7 +3176,7 @@
           <a:p>
             <a:fld id="{F5F6CCD4-9BA8-48EE-BFD0-A699698EB9A2}" type="datetimeFigureOut">
               <a:rPr lang="en-US" smtClean="0"/>
-              <a:t>7/15/2019</a:t>
+              <a:t>7/16/2019</a:t>
             </a:fld>
             <a:endParaRPr lang="en-US"/>
           </a:p>
@@ -3374,7 +3384,7 @@
           <a:p>
             <a:fld id="{F5F6CCD4-9BA8-48EE-BFD0-A699698EB9A2}" type="datetimeFigureOut">
               <a:rPr lang="en-US" smtClean="0"/>
-              <a:t>7/15/2019</a:t>
+              <a:t>7/16/2019</a:t>
             </a:fld>
             <a:endParaRPr lang="en-US"/>
           </a:p>
@@ -3572,7 +3582,7 @@
           <a:p>
             <a:fld id="{F5F6CCD4-9BA8-48EE-BFD0-A699698EB9A2}" type="datetimeFigureOut">
               <a:rPr lang="en-US" smtClean="0"/>
-              <a:t>7/15/2019</a:t>
+              <a:t>7/16/2019</a:t>
             </a:fld>
             <a:endParaRPr lang="en-US"/>
           </a:p>
@@ -3847,7 +3857,7 @@
           <a:p>
             <a:fld id="{F5F6CCD4-9BA8-48EE-BFD0-A699698EB9A2}" type="datetimeFigureOut">
               <a:rPr lang="en-US" smtClean="0"/>
-              <a:t>7/15/2019</a:t>
+              <a:t>7/16/2019</a:t>
             </a:fld>
             <a:endParaRPr lang="en-US"/>
           </a:p>
@@ -4112,7 +4122,7 @@
           <a:p>
             <a:fld id="{F5F6CCD4-9BA8-48EE-BFD0-A699698EB9A2}" type="datetimeFigureOut">
               <a:rPr lang="en-US" smtClean="0"/>
-              <a:t>7/15/2019</a:t>
+              <a:t>7/16/2019</a:t>
             </a:fld>
             <a:endParaRPr lang="en-US"/>
           </a:p>
@@ -4524,7 +4534,7 @@
           <a:p>
             <a:fld id="{F5F6CCD4-9BA8-48EE-BFD0-A699698EB9A2}" type="datetimeFigureOut">
               <a:rPr lang="en-US" smtClean="0"/>
-              <a:t>7/15/2019</a:t>
+              <a:t>7/16/2019</a:t>
             </a:fld>
             <a:endParaRPr lang="en-US"/>
           </a:p>
@@ -4665,7 +4675,7 @@
           <a:p>
             <a:fld id="{F5F6CCD4-9BA8-48EE-BFD0-A699698EB9A2}" type="datetimeFigureOut">
               <a:rPr lang="en-US" smtClean="0"/>
-              <a:t>7/15/2019</a:t>
+              <a:t>7/16/2019</a:t>
             </a:fld>
             <a:endParaRPr lang="en-US"/>
           </a:p>
@@ -4778,7 +4788,7 @@
           <a:p>
             <a:fld id="{F5F6CCD4-9BA8-48EE-BFD0-A699698EB9A2}" type="datetimeFigureOut">
               <a:rPr lang="en-US" smtClean="0"/>
-              <a:t>7/15/2019</a:t>
+              <a:t>7/16/2019</a:t>
             </a:fld>
             <a:endParaRPr lang="en-US"/>
           </a:p>
@@ -5089,7 +5099,7 @@
           <a:p>
             <a:fld id="{F5F6CCD4-9BA8-48EE-BFD0-A699698EB9A2}" type="datetimeFigureOut">
               <a:rPr lang="en-US" smtClean="0"/>
-              <a:t>7/15/2019</a:t>
+              <a:t>7/16/2019</a:t>
             </a:fld>
             <a:endParaRPr lang="en-US"/>
           </a:p>
@@ -5377,7 +5387,7 @@
           <a:p>
             <a:fld id="{F5F6CCD4-9BA8-48EE-BFD0-A699698EB9A2}" type="datetimeFigureOut">
               <a:rPr lang="en-US" smtClean="0"/>
-              <a:t>7/15/2019</a:t>
+              <a:t>7/16/2019</a:t>
             </a:fld>
             <a:endParaRPr lang="en-US"/>
           </a:p>
@@ -5618,7 +5628,7 @@
           <a:p>
             <a:fld id="{F5F6CCD4-9BA8-48EE-BFD0-A699698EB9A2}" type="datetimeFigureOut">
               <a:rPr lang="en-US" smtClean="0"/>
-              <a:t>7/15/2019</a:t>
+              <a:t>7/16/2019</a:t>
             </a:fld>
             <a:endParaRPr lang="en-US"/>
           </a:p>
@@ -6126,6 +6136,757 @@
           <p:cNvPr id="2" name="Title 1">
             <a:extLst>
               <a:ext uri="{FF2B5EF4-FFF2-40B4-BE49-F238E27FC236}">
+                <a16:creationId xmlns:a16="http://schemas.microsoft.com/office/drawing/2014/main" id="{832EA16A-1B80-41B1-8890-4ED5B90AD2B6}"/>
+              </a:ext>
+            </a:extLst>
+          </p:cNvPr>
+          <p:cNvSpPr>
+            <a:spLocks noGrp="1"/>
+          </p:cNvSpPr>
+          <p:nvPr>
+            <p:ph type="title"/>
+          </p:nvPr>
+        </p:nvSpPr>
+        <p:spPr/>
+        <p:txBody>
+          <a:bodyPr/>
+          <a:lstStyle/>
+          <a:p>
+            <a:r>
+              <a:rPr lang="en-US" dirty="0"/>
+              <a:t>LDA Example Output </a:t>
+            </a:r>
+          </a:p>
+        </p:txBody>
+      </p:sp>
+      <p:sp>
+        <p:nvSpPr>
+          <p:cNvPr id="3" name="Content Placeholder 2">
+            <a:extLst>
+              <a:ext uri="{FF2B5EF4-FFF2-40B4-BE49-F238E27FC236}">
+                <a16:creationId xmlns:a16="http://schemas.microsoft.com/office/drawing/2014/main" id="{279A39B7-C70D-4220-BFCF-93A3B9AB9B57}"/>
+              </a:ext>
+            </a:extLst>
+          </p:cNvPr>
+          <p:cNvSpPr>
+            <a:spLocks noGrp="1"/>
+          </p:cNvSpPr>
+          <p:nvPr>
+            <p:ph idx="1"/>
+          </p:nvPr>
+        </p:nvSpPr>
+        <p:spPr/>
+        <p:txBody>
+          <a:bodyPr>
+            <a:normAutofit/>
+          </a:bodyPr>
+          <a:lstStyle/>
+          <a:p>
+            <a:r>
+              <a:rPr lang="en-US" sz="2000" dirty="0"/>
+              <a:t>Topic 1: </a:t>
+            </a:r>
+            <a:r>
+              <a:rPr lang="en-US" sz="2000" dirty="0" err="1"/>
+              <a:t>n_hydrogen_bond</a:t>
+            </a:r>
+            <a:r>
+              <a:rPr lang="en-US" sz="2000" dirty="0"/>
+              <a:t>, </a:t>
+            </a:r>
+            <a:r>
+              <a:rPr lang="en-US" sz="2000" dirty="0" err="1"/>
+              <a:t>pi_interaction</a:t>
+            </a:r>
+            <a:r>
+              <a:rPr lang="en-US" sz="2000" dirty="0"/>
+              <a:t>, </a:t>
+            </a:r>
+            <a:r>
+              <a:rPr lang="en-US" sz="2000" dirty="0" err="1"/>
+              <a:t>n_hydrogen</a:t>
+            </a:r>
+            <a:r>
+              <a:rPr lang="en-US" sz="2000" dirty="0"/>
+              <a:t>, </a:t>
+            </a:r>
+            <a:r>
+              <a:rPr lang="en-US" sz="2000" dirty="0" err="1"/>
+              <a:t>intermolecular_c_h</a:t>
+            </a:r>
+            <a:r>
+              <a:rPr lang="en-US" sz="2000" dirty="0"/>
+              <a:t>, </a:t>
+            </a:r>
+            <a:r>
+              <a:rPr lang="en-US" sz="2000" dirty="0" err="1"/>
+              <a:t>weak_intermolecular_c_h</a:t>
+            </a:r>
+            <a:r>
+              <a:rPr lang="en-US" sz="2000" dirty="0"/>
+              <a:t>, </a:t>
+            </a:r>
+            <a:r>
+              <a:rPr lang="en-US" sz="2000" dirty="0" err="1"/>
+              <a:t>intermolecular_n_h</a:t>
+            </a:r>
+            <a:r>
+              <a:rPr lang="en-US" sz="2000" dirty="0"/>
+              <a:t>…</a:t>
+            </a:r>
+          </a:p>
+          <a:p>
+            <a:r>
+              <a:rPr lang="en-US" sz="2000" dirty="0"/>
+              <a:t>Topic 2: </a:t>
+            </a:r>
+            <a:r>
+              <a:rPr lang="en-US" sz="2000" dirty="0" err="1"/>
+              <a:t>intermolecular_n_h</a:t>
+            </a:r>
+            <a:r>
+              <a:rPr lang="en-US" sz="2000" dirty="0"/>
+              <a:t>, </a:t>
+            </a:r>
+            <a:r>
+              <a:rPr lang="en-US" sz="2000" dirty="0" err="1"/>
+              <a:t>molecular_structure</a:t>
+            </a:r>
+            <a:r>
+              <a:rPr lang="en-US" sz="2000" dirty="0"/>
+              <a:t>, </a:t>
+            </a:r>
+            <a:r>
+              <a:rPr lang="en-US" sz="2000" dirty="0" err="1"/>
+              <a:t>complex_cation</a:t>
+            </a:r>
+            <a:r>
+              <a:rPr lang="en-US" sz="2000" dirty="0"/>
+              <a:t>, </a:t>
+            </a:r>
+            <a:r>
+              <a:rPr lang="en-US" sz="2000" dirty="0" err="1"/>
+              <a:t>asymmetric_unit</a:t>
+            </a:r>
+            <a:r>
+              <a:rPr lang="en-US" sz="2000" dirty="0"/>
+              <a:t>, </a:t>
+            </a:r>
+            <a:r>
+              <a:rPr lang="en-US" sz="2000" dirty="0" err="1"/>
+              <a:t>o_atom</a:t>
+            </a:r>
+            <a:r>
+              <a:rPr lang="en-US" sz="2000" dirty="0"/>
+              <a:t>, </a:t>
+            </a:r>
+            <a:r>
+              <a:rPr lang="en-US" sz="2000" dirty="0" err="1"/>
+              <a:t>water_molecule</a:t>
+            </a:r>
+            <a:r>
+              <a:rPr lang="en-US" sz="2000" dirty="0"/>
+              <a:t>, </a:t>
+            </a:r>
+            <a:r>
+              <a:rPr lang="en-US" sz="2000" dirty="0" err="1"/>
+              <a:t>n_hydrogen_bond</a:t>
+            </a:r>
+            <a:r>
+              <a:rPr lang="en-US" sz="2000" dirty="0"/>
+              <a:t>, </a:t>
+            </a:r>
+            <a:r>
+              <a:rPr lang="en-US" sz="2000" dirty="0" err="1"/>
+              <a:t>centroid_distance</a:t>
+            </a:r>
+            <a:r>
+              <a:rPr lang="en-US" sz="2000" dirty="0"/>
+              <a:t>, </a:t>
+            </a:r>
+            <a:r>
+              <a:rPr lang="en-US" sz="2000" dirty="0" err="1"/>
+              <a:t>square_pyramidal</a:t>
+            </a:r>
+            <a:r>
+              <a:rPr lang="en-US" sz="2000" dirty="0"/>
+              <a:t>, </a:t>
+            </a:r>
+            <a:r>
+              <a:rPr lang="en-US" sz="2000" dirty="0" err="1"/>
+              <a:t>n_atom</a:t>
+            </a:r>
+            <a:r>
+              <a:rPr lang="en-US" sz="2000" dirty="0"/>
+              <a:t>…</a:t>
+            </a:r>
+          </a:p>
+          <a:p>
+            <a:r>
+              <a:rPr lang="en-US" sz="2000" dirty="0"/>
+              <a:t>Topic 3: </a:t>
+            </a:r>
+            <a:r>
+              <a:rPr lang="en-US" sz="2000" dirty="0" err="1"/>
+              <a:t>aring_resolution</a:t>
+            </a:r>
+            <a:r>
+              <a:rPr lang="en-US" sz="2000" dirty="0"/>
+              <a:t>, </a:t>
+            </a:r>
+            <a:r>
+              <a:rPr lang="en-US" sz="2000" dirty="0" err="1"/>
+              <a:t>space_group</a:t>
+            </a:r>
+            <a:r>
+              <a:rPr lang="en-US" sz="2000" dirty="0"/>
+              <a:t>, </a:t>
+            </a:r>
+            <a:r>
+              <a:rPr lang="en-US" sz="2000" dirty="0" err="1"/>
+              <a:t>pi_interaction</a:t>
+            </a:r>
+            <a:r>
+              <a:rPr lang="en-US" sz="2000" dirty="0"/>
+              <a:t>, </a:t>
+            </a:r>
+            <a:r>
+              <a:rPr lang="en-US" sz="2000" dirty="0" err="1"/>
+              <a:t>o_atom</a:t>
+            </a:r>
+            <a:r>
+              <a:rPr lang="en-US" sz="2000" dirty="0"/>
+              <a:t>, </a:t>
+            </a:r>
+            <a:r>
+              <a:rPr lang="en-US" sz="2000" dirty="0" err="1"/>
+              <a:t>n_atom</a:t>
+            </a:r>
+            <a:r>
+              <a:rPr lang="en-US" sz="2000" dirty="0"/>
+              <a:t>, </a:t>
+            </a:r>
+            <a:r>
+              <a:rPr lang="en-US" sz="2000" dirty="0" err="1"/>
+              <a:t>unit_cell</a:t>
+            </a:r>
+            <a:r>
+              <a:rPr lang="en-US" sz="2000" dirty="0"/>
+              <a:t>, </a:t>
+            </a:r>
+            <a:r>
+              <a:rPr lang="en-US" sz="2000" dirty="0" err="1"/>
+              <a:t>intermolecular_c_h</a:t>
+            </a:r>
+            <a:r>
+              <a:rPr lang="en-US" sz="2000" dirty="0"/>
+              <a:t>…</a:t>
+            </a:r>
+          </a:p>
+          <a:p>
+            <a:r>
+              <a:rPr lang="en-US" sz="2000" dirty="0"/>
+              <a:t>Topic 4: </a:t>
+            </a:r>
+            <a:r>
+              <a:rPr lang="en-US" sz="2000" dirty="0" err="1"/>
+              <a:t>asymmetric_unit</a:t>
+            </a:r>
+            <a:r>
+              <a:rPr lang="en-US" sz="2000" dirty="0"/>
+              <a:t>, </a:t>
+            </a:r>
+            <a:r>
+              <a:rPr lang="en-US" sz="2000" dirty="0" err="1"/>
+              <a:t>asymmetric_unit_molecule</a:t>
+            </a:r>
+            <a:r>
+              <a:rPr lang="en-US" sz="2000" dirty="0"/>
+              <a:t>, </a:t>
+            </a:r>
+            <a:r>
+              <a:rPr lang="en-US" sz="2000" dirty="0" err="1"/>
+              <a:t>dimensional_network</a:t>
+            </a:r>
+            <a:r>
+              <a:rPr lang="en-US" sz="2000" dirty="0"/>
+              <a:t>, </a:t>
+            </a:r>
+            <a:r>
+              <a:rPr lang="en-US" sz="2000" dirty="0" err="1"/>
+              <a:t>intermolecular_c_h</a:t>
+            </a:r>
+            <a:r>
+              <a:rPr lang="en-US" sz="2000" dirty="0"/>
+              <a:t>, </a:t>
+            </a:r>
+            <a:r>
+              <a:rPr lang="en-US" sz="2000" dirty="0" err="1"/>
+              <a:t>synchrotron_radiation</a:t>
+            </a:r>
+            <a:r>
+              <a:rPr lang="en-US" sz="2000" dirty="0"/>
+              <a:t>, </a:t>
+            </a:r>
+            <a:r>
+              <a:rPr lang="en-US" sz="2000" dirty="0" err="1"/>
+              <a:t>n_atom</a:t>
+            </a:r>
+            <a:r>
+              <a:rPr lang="en-US" sz="2000" dirty="0"/>
+              <a:t>, </a:t>
+            </a:r>
+            <a:r>
+              <a:rPr lang="en-US" sz="2000" dirty="0" err="1"/>
+              <a:t>space_group</a:t>
+            </a:r>
+            <a:r>
+              <a:rPr lang="en-US" sz="2000" dirty="0"/>
+              <a:t>, </a:t>
+            </a:r>
+            <a:r>
+              <a:rPr lang="en-US" sz="2000" dirty="0" err="1"/>
+              <a:t>aring_resolution</a:t>
+            </a:r>
+            <a:r>
+              <a:rPr lang="en-US" sz="2000" dirty="0"/>
+              <a:t>, </a:t>
+            </a:r>
+            <a:r>
+              <a:rPr lang="en-US" sz="2000" dirty="0" err="1"/>
+              <a:t>single_crystal</a:t>
+            </a:r>
+            <a:r>
+              <a:rPr lang="en-US" sz="2000" dirty="0"/>
+              <a:t>, </a:t>
+            </a:r>
+            <a:r>
+              <a:rPr lang="en-US" sz="2000" dirty="0" err="1"/>
+              <a:t>o_atom</a:t>
+            </a:r>
+            <a:endParaRPr lang="en-US" sz="2000" dirty="0"/>
+          </a:p>
+          <a:p>
+            <a:r>
+              <a:rPr lang="en-US" sz="2000" dirty="0"/>
+              <a:t>…</a:t>
+            </a:r>
+          </a:p>
+        </p:txBody>
+      </p:sp>
+    </p:spTree>
+    <p:extLst>
+      <p:ext uri="{BB962C8B-B14F-4D97-AF65-F5344CB8AC3E}">
+        <p14:creationId xmlns:p14="http://schemas.microsoft.com/office/powerpoint/2010/main" val="2184710770"/>
+      </p:ext>
+    </p:extLst>
+  </p:cSld>
+  <p:clrMapOvr>
+    <a:masterClrMapping/>
+  </p:clrMapOvr>
+</p:sld>
+</file>
+
+<file path=ppt/slides/slide11.xml><?xml version="1.0" encoding="utf-8"?>
+<p:sld xmlns:a="http://schemas.openxmlformats.org/drawingml/2006/main" xmlns:r="http://schemas.openxmlformats.org/officeDocument/2006/relationships" xmlns:p="http://schemas.openxmlformats.org/presentationml/2006/main">
+  <p:cSld>
+    <p:spTree>
+      <p:nvGrpSpPr>
+        <p:cNvPr id="1" name=""/>
+        <p:cNvGrpSpPr/>
+        <p:nvPr/>
+      </p:nvGrpSpPr>
+      <p:grpSpPr>
+        <a:xfrm>
+          <a:off x="0" y="0"/>
+          <a:ext cx="0" cy="0"/>
+          <a:chOff x="0" y="0"/>
+          <a:chExt cx="0" cy="0"/>
+        </a:xfrm>
+      </p:grpSpPr>
+      <p:sp>
+        <p:nvSpPr>
+          <p:cNvPr id="2" name="Title 1">
+            <a:extLst>
+              <a:ext uri="{FF2B5EF4-FFF2-40B4-BE49-F238E27FC236}">
+                <a16:creationId xmlns:a16="http://schemas.microsoft.com/office/drawing/2014/main" id="{832EA16A-1B80-41B1-8890-4ED5B90AD2B6}"/>
+              </a:ext>
+            </a:extLst>
+          </p:cNvPr>
+          <p:cNvSpPr>
+            <a:spLocks noGrp="1"/>
+          </p:cNvSpPr>
+          <p:nvPr>
+            <p:ph type="title"/>
+          </p:nvPr>
+        </p:nvSpPr>
+        <p:spPr/>
+        <p:txBody>
+          <a:bodyPr/>
+          <a:lstStyle/>
+          <a:p>
+            <a:r>
+              <a:rPr lang="en-US" dirty="0"/>
+              <a:t>Cyclic-LDA</a:t>
+            </a:r>
+          </a:p>
+        </p:txBody>
+      </p:sp>
+      <p:sp>
+        <p:nvSpPr>
+          <p:cNvPr id="3" name="Content Placeholder 2">
+            <a:extLst>
+              <a:ext uri="{FF2B5EF4-FFF2-40B4-BE49-F238E27FC236}">
+                <a16:creationId xmlns:a16="http://schemas.microsoft.com/office/drawing/2014/main" id="{279A39B7-C70D-4220-BFCF-93A3B9AB9B57}"/>
+              </a:ext>
+            </a:extLst>
+          </p:cNvPr>
+          <p:cNvSpPr>
+            <a:spLocks noGrp="1"/>
+          </p:cNvSpPr>
+          <p:nvPr>
+            <p:ph idx="1"/>
+          </p:nvPr>
+        </p:nvSpPr>
+        <p:spPr/>
+        <p:txBody>
+          <a:bodyPr/>
+          <a:lstStyle/>
+          <a:p>
+            <a:r>
+              <a:rPr lang="en-US" dirty="0"/>
+              <a:t>LDA is not suitable because many documents are left without significant probability of belonging to any topic</a:t>
+            </a:r>
+          </a:p>
+          <a:p>
+            <a:r>
+              <a:rPr lang="en-US" dirty="0"/>
+              <a:t>We modify the algorithm as follows:</a:t>
+            </a:r>
+          </a:p>
+          <a:p>
+            <a:pPr lvl="1"/>
+            <a:r>
+              <a:rPr lang="en-US" dirty="0"/>
+              <a:t>The number of topics for LDA  is determined by multiplying the number of documents to model by some specified ratio </a:t>
+            </a:r>
+            <a:r>
+              <a:rPr lang="en-US" i="1" dirty="0"/>
+              <a:t>R</a:t>
+            </a:r>
+            <a:endParaRPr lang="en-US" dirty="0"/>
+          </a:p>
+          <a:p>
+            <a:pPr lvl="1"/>
+            <a:r>
+              <a:rPr lang="en-US" dirty="0"/>
+              <a:t>We call a document “good” if it has a probability greater than some specified probability </a:t>
+            </a:r>
+            <a:r>
+              <a:rPr lang="en-US" i="1" dirty="0"/>
+              <a:t>P</a:t>
+            </a:r>
+            <a:r>
+              <a:rPr lang="en-US" dirty="0"/>
+              <a:t> of belonging to some topic</a:t>
+            </a:r>
+          </a:p>
+          <a:p>
+            <a:pPr lvl="1"/>
+            <a:r>
+              <a:rPr lang="en-US" dirty="0"/>
+              <a:t>We cyclical run LDA on all documents that are not yet “good” until they all converge</a:t>
+            </a:r>
+          </a:p>
+        </p:txBody>
+      </p:sp>
+    </p:spTree>
+    <p:extLst>
+      <p:ext uri="{BB962C8B-B14F-4D97-AF65-F5344CB8AC3E}">
+        <p14:creationId xmlns:p14="http://schemas.microsoft.com/office/powerpoint/2010/main" val="1025579977"/>
+      </p:ext>
+    </p:extLst>
+  </p:cSld>
+  <p:clrMapOvr>
+    <a:masterClrMapping/>
+  </p:clrMapOvr>
+</p:sld>
+</file>
+
+<file path=ppt/slides/slide12.xml><?xml version="1.0" encoding="utf-8"?>
+<p:sld xmlns:a="http://schemas.openxmlformats.org/drawingml/2006/main" xmlns:r="http://schemas.openxmlformats.org/officeDocument/2006/relationships" xmlns:p="http://schemas.openxmlformats.org/presentationml/2006/main">
+  <p:cSld>
+    <p:spTree>
+      <p:nvGrpSpPr>
+        <p:cNvPr id="1" name=""/>
+        <p:cNvGrpSpPr/>
+        <p:nvPr/>
+      </p:nvGrpSpPr>
+      <p:grpSpPr>
+        <a:xfrm>
+          <a:off x="0" y="0"/>
+          <a:ext cx="0" cy="0"/>
+          <a:chOff x="0" y="0"/>
+          <a:chExt cx="0" cy="0"/>
+        </a:xfrm>
+      </p:grpSpPr>
+      <p:sp>
+        <p:nvSpPr>
+          <p:cNvPr id="2" name="Title 1">
+            <a:extLst>
+              <a:ext uri="{FF2B5EF4-FFF2-40B4-BE49-F238E27FC236}">
+                <a16:creationId xmlns:a16="http://schemas.microsoft.com/office/drawing/2014/main" id="{832EA16A-1B80-41B1-8890-4ED5B90AD2B6}"/>
+              </a:ext>
+            </a:extLst>
+          </p:cNvPr>
+          <p:cNvSpPr>
+            <a:spLocks noGrp="1"/>
+          </p:cNvSpPr>
+          <p:nvPr>
+            <p:ph type="title"/>
+          </p:nvPr>
+        </p:nvSpPr>
+        <p:spPr/>
+        <p:txBody>
+          <a:bodyPr/>
+          <a:lstStyle/>
+          <a:p>
+            <a:r>
+              <a:rPr lang="en-US" dirty="0"/>
+              <a:t>Cyclic-LDA Example Output</a:t>
+            </a:r>
+          </a:p>
+        </p:txBody>
+      </p:sp>
+      <p:sp>
+        <p:nvSpPr>
+          <p:cNvPr id="5" name="Content Placeholder 4">
+            <a:extLst>
+              <a:ext uri="{FF2B5EF4-FFF2-40B4-BE49-F238E27FC236}">
+                <a16:creationId xmlns:a16="http://schemas.microsoft.com/office/drawing/2014/main" id="{AB9AF6E3-115A-429F-8456-23AFD9F6E67D}"/>
+              </a:ext>
+            </a:extLst>
+          </p:cNvPr>
+          <p:cNvSpPr>
+            <a:spLocks noGrp="1"/>
+          </p:cNvSpPr>
+          <p:nvPr>
+            <p:ph idx="1"/>
+          </p:nvPr>
+        </p:nvSpPr>
+        <p:spPr/>
+        <p:txBody>
+          <a:bodyPr/>
+          <a:lstStyle/>
+          <a:p>
+            <a:endParaRPr lang="en-US" dirty="0"/>
+          </a:p>
+        </p:txBody>
+      </p:sp>
+    </p:spTree>
+    <p:extLst>
+      <p:ext uri="{BB962C8B-B14F-4D97-AF65-F5344CB8AC3E}">
+        <p14:creationId xmlns:p14="http://schemas.microsoft.com/office/powerpoint/2010/main" val="1222754160"/>
+      </p:ext>
+    </p:extLst>
+  </p:cSld>
+  <p:clrMapOvr>
+    <a:masterClrMapping/>
+  </p:clrMapOvr>
+</p:sld>
+</file>
+
+<file path=ppt/slides/slide13.xml><?xml version="1.0" encoding="utf-8"?>
+<p:sld xmlns:a="http://schemas.openxmlformats.org/drawingml/2006/main" xmlns:r="http://schemas.openxmlformats.org/officeDocument/2006/relationships" xmlns:p="http://schemas.openxmlformats.org/presentationml/2006/main">
+  <p:cSld>
+    <p:spTree>
+      <p:nvGrpSpPr>
+        <p:cNvPr id="1" name=""/>
+        <p:cNvGrpSpPr/>
+        <p:nvPr/>
+      </p:nvGrpSpPr>
+      <p:grpSpPr>
+        <a:xfrm>
+          <a:off x="0" y="0"/>
+          <a:ext cx="0" cy="0"/>
+          <a:chOff x="0" y="0"/>
+          <a:chExt cx="0" cy="0"/>
+        </a:xfrm>
+      </p:grpSpPr>
+      <p:sp>
+        <p:nvSpPr>
+          <p:cNvPr id="2" name="Title 1">
+            <a:extLst>
+              <a:ext uri="{FF2B5EF4-FFF2-40B4-BE49-F238E27FC236}">
+                <a16:creationId xmlns:a16="http://schemas.microsoft.com/office/drawing/2014/main" id="{832EA16A-1B80-41B1-8890-4ED5B90AD2B6}"/>
+              </a:ext>
+            </a:extLst>
+          </p:cNvPr>
+          <p:cNvSpPr>
+            <a:spLocks noGrp="1"/>
+          </p:cNvSpPr>
+          <p:nvPr>
+            <p:ph type="title"/>
+          </p:nvPr>
+        </p:nvSpPr>
+        <p:spPr/>
+        <p:txBody>
+          <a:bodyPr/>
+          <a:lstStyle/>
+          <a:p>
+            <a:endParaRPr lang="en-US" dirty="0"/>
+          </a:p>
+        </p:txBody>
+      </p:sp>
+      <p:sp>
+        <p:nvSpPr>
+          <p:cNvPr id="5" name="Content Placeholder 4">
+            <a:extLst>
+              <a:ext uri="{FF2B5EF4-FFF2-40B4-BE49-F238E27FC236}">
+                <a16:creationId xmlns:a16="http://schemas.microsoft.com/office/drawing/2014/main" id="{AB9AF6E3-115A-429F-8456-23AFD9F6E67D}"/>
+              </a:ext>
+            </a:extLst>
+          </p:cNvPr>
+          <p:cNvSpPr>
+            <a:spLocks noGrp="1"/>
+          </p:cNvSpPr>
+          <p:nvPr>
+            <p:ph idx="1"/>
+          </p:nvPr>
+        </p:nvSpPr>
+        <p:spPr/>
+        <p:txBody>
+          <a:bodyPr/>
+          <a:lstStyle/>
+          <a:p>
+            <a:endParaRPr lang="en-US" dirty="0"/>
+          </a:p>
+        </p:txBody>
+      </p:sp>
+    </p:spTree>
+    <p:extLst>
+      <p:ext uri="{BB962C8B-B14F-4D97-AF65-F5344CB8AC3E}">
+        <p14:creationId xmlns:p14="http://schemas.microsoft.com/office/powerpoint/2010/main" val="2715560155"/>
+      </p:ext>
+    </p:extLst>
+  </p:cSld>
+  <p:clrMapOvr>
+    <a:masterClrMapping/>
+  </p:clrMapOvr>
+</p:sld>
+</file>
+
+<file path=ppt/slides/slide14.xml><?xml version="1.0" encoding="utf-8"?>
+<p:sld xmlns:a="http://schemas.openxmlformats.org/drawingml/2006/main" xmlns:r="http://schemas.openxmlformats.org/officeDocument/2006/relationships" xmlns:p="http://schemas.openxmlformats.org/presentationml/2006/main">
+  <p:cSld>
+    <p:spTree>
+      <p:nvGrpSpPr>
+        <p:cNvPr id="1" name=""/>
+        <p:cNvGrpSpPr/>
+        <p:nvPr/>
+      </p:nvGrpSpPr>
+      <p:grpSpPr>
+        <a:xfrm>
+          <a:off x="0" y="0"/>
+          <a:ext cx="0" cy="0"/>
+          <a:chOff x="0" y="0"/>
+          <a:chExt cx="0" cy="0"/>
+        </a:xfrm>
+      </p:grpSpPr>
+      <p:sp>
+        <p:nvSpPr>
+          <p:cNvPr id="2" name="Title 1">
+            <a:extLst>
+              <a:ext uri="{FF2B5EF4-FFF2-40B4-BE49-F238E27FC236}">
+                <a16:creationId xmlns:a16="http://schemas.microsoft.com/office/drawing/2014/main" id="{CF5C0CA3-C2A1-45CD-BB2F-212F939D93D0}"/>
+              </a:ext>
+            </a:extLst>
+          </p:cNvPr>
+          <p:cNvSpPr>
+            <a:spLocks noGrp="1"/>
+          </p:cNvSpPr>
+          <p:nvPr>
+            <p:ph type="title"/>
+          </p:nvPr>
+        </p:nvSpPr>
+        <p:spPr/>
+        <p:txBody>
+          <a:bodyPr/>
+          <a:lstStyle/>
+          <a:p>
+            <a:r>
+              <a:rPr lang="en-US" dirty="0"/>
+              <a:t>Next Steps</a:t>
+            </a:r>
+          </a:p>
+        </p:txBody>
+      </p:sp>
+      <p:sp>
+        <p:nvSpPr>
+          <p:cNvPr id="3" name="Content Placeholder 2">
+            <a:extLst>
+              <a:ext uri="{FF2B5EF4-FFF2-40B4-BE49-F238E27FC236}">
+                <a16:creationId xmlns:a16="http://schemas.microsoft.com/office/drawing/2014/main" id="{DC218671-9819-4633-892F-C37A1086221A}"/>
+              </a:ext>
+            </a:extLst>
+          </p:cNvPr>
+          <p:cNvSpPr>
+            <a:spLocks noGrp="1"/>
+          </p:cNvSpPr>
+          <p:nvPr>
+            <p:ph idx="1"/>
+          </p:nvPr>
+        </p:nvSpPr>
+        <p:spPr/>
+        <p:txBody>
+          <a:bodyPr/>
+          <a:lstStyle/>
+          <a:p>
+            <a:r>
+              <a:rPr lang="en-US" dirty="0"/>
+              <a:t>Normalizing topics (merging synonymous topic areas)</a:t>
+            </a:r>
+          </a:p>
+          <a:p>
+            <a:endParaRPr lang="en-US" dirty="0"/>
+          </a:p>
+        </p:txBody>
+      </p:sp>
+    </p:spTree>
+    <p:extLst>
+      <p:ext uri="{BB962C8B-B14F-4D97-AF65-F5344CB8AC3E}">
+        <p14:creationId xmlns:p14="http://schemas.microsoft.com/office/powerpoint/2010/main" val="2750016725"/>
+      </p:ext>
+    </p:extLst>
+  </p:cSld>
+  <p:clrMapOvr>
+    <a:masterClrMapping/>
+  </p:clrMapOvr>
+</p:sld>
+</file>
+
+<file path=ppt/slides/slide15.xml><?xml version="1.0" encoding="utf-8"?>
+<p:sld xmlns:a="http://schemas.openxmlformats.org/drawingml/2006/main" xmlns:r="http://schemas.openxmlformats.org/officeDocument/2006/relationships" xmlns:p="http://schemas.openxmlformats.org/presentationml/2006/main">
+  <p:cSld>
+    <p:spTree>
+      <p:nvGrpSpPr>
+        <p:cNvPr id="1" name=""/>
+        <p:cNvGrpSpPr/>
+        <p:nvPr/>
+      </p:nvGrpSpPr>
+      <p:grpSpPr>
+        <a:xfrm>
+          <a:off x="0" y="0"/>
+          <a:ext cx="0" cy="0"/>
+          <a:chOff x="0" y="0"/>
+          <a:chExt cx="0" cy="0"/>
+        </a:xfrm>
+      </p:grpSpPr>
+      <p:sp>
+        <p:nvSpPr>
+          <p:cNvPr id="2" name="Title 1">
+            <a:extLst>
+              <a:ext uri="{FF2B5EF4-FFF2-40B4-BE49-F238E27FC236}">
                 <a16:creationId xmlns:a16="http://schemas.microsoft.com/office/drawing/2014/main" id="{B15C1A48-BBA9-4556-853B-C35DD06DCD94}"/>
               </a:ext>
             </a:extLst>
@@ -6586,7 +7347,7 @@
           <a:p>
             <a:r>
               <a:rPr lang="en-US" dirty="0"/>
-              <a:t>Preprocessing – Term Selection</a:t>
+              <a:t>Remove Too General or Specific Terms</a:t>
             </a:r>
           </a:p>
         </p:txBody>
@@ -6614,13 +7375,13 @@
           <a:p>
             <a:r>
               <a:rPr lang="en-US" dirty="0"/>
-              <a:t>Select R&amp;R terms of level 0, 1, 2 or 3</a:t>
+              <a:t>Select R&amp;R terms of level 0, 1, or 2</a:t>
             </a:r>
           </a:p>
           <a:p>
             <a:r>
               <a:rPr lang="en-US" dirty="0"/>
-              <a:t>Discard terms that are not shared across at least 2 documents </a:t>
+              <a:t>Ignore terms that are not shared across at least 2 documents </a:t>
             </a:r>
             <a:r>
               <a:rPr lang="en-US" i="1" dirty="0"/>
@@ -6628,14 +7389,37 @@
             </a:r>
             <a:r>
               <a:rPr lang="en-US" dirty="0"/>
-              <a:t> terms that appear in 15% or more of documents</a:t>
+              <a:t> terms that appear in more than 12% of documents</a:t>
             </a:r>
           </a:p>
           <a:p>
             <a:pPr lvl="1"/>
             <a:r>
               <a:rPr lang="en-US" dirty="0"/>
-              <a:t>Removes document-specific terms and general terminology </a:t>
+              <a:t>Removes document-specific terms, e.g. </a:t>
+            </a:r>
+          </a:p>
+          <a:p>
+            <a:pPr lvl="1"/>
+            <a:r>
+              <a:rPr lang="en-US" dirty="0"/>
+              <a:t>Removes terms that are too general, e.g. “</a:t>
+            </a:r>
+            <a:r>
+              <a:rPr lang="en-US" dirty="0" err="1"/>
+              <a:t>o_h</a:t>
+            </a:r>
+            <a:r>
+              <a:rPr lang="en-US" dirty="0"/>
+              <a:t>”, “</a:t>
+            </a:r>
+            <a:r>
+              <a:rPr lang="en-US" dirty="0" err="1"/>
+              <a:t>crystal_structure</a:t>
+            </a:r>
+            <a:r>
+              <a:rPr lang="en-US" dirty="0"/>
+              <a:t>”</a:t>
             </a:r>
           </a:p>
         </p:txBody>
@@ -6693,7 +7477,7 @@
           <a:p>
             <a:r>
               <a:rPr lang="en-US" dirty="0"/>
-              <a:t>Preprocessing – Example</a:t>
+              <a:t>Remove Too General or Specific Terms</a:t>
             </a:r>
           </a:p>
         </p:txBody>
@@ -6713,13 +7497,13 @@
           <p:nvPr>
             <p:extLst>
               <p:ext uri="{D42A27DB-BD31-4B8C-83A1-F6EECF244321}">
-                <p14:modId xmlns:p14="http://schemas.microsoft.com/office/powerpoint/2010/main" val="63206998"/>
+                <p14:modId xmlns:p14="http://schemas.microsoft.com/office/powerpoint/2010/main" val="2425801296"/>
               </p:ext>
             </p:extLst>
           </p:nvPr>
         </p:nvGraphicFramePr>
         <p:xfrm>
-          <a:off x="3651970" y="1813971"/>
+          <a:off x="3651970" y="1667667"/>
           <a:ext cx="1914747" cy="4308266"/>
         </p:xfrm>
         <a:graphic>
@@ -7793,7 +8577,7 @@
         </p:nvSpPr>
         <p:spPr>
           <a:xfrm>
-            <a:off x="5747054" y="3144303"/>
+            <a:off x="5747054" y="2997999"/>
             <a:ext cx="609512" cy="506698"/>
           </a:xfrm>
           <a:prstGeom prst="rightArrow">
@@ -7851,7 +8635,7 @@
         </p:nvSpPr>
         <p:spPr>
           <a:xfrm>
-            <a:off x="6575165" y="2321210"/>
+            <a:off x="6575165" y="2174906"/>
             <a:ext cx="2707329" cy="1938992"/>
           </a:xfrm>
           <a:prstGeom prst="rect">
@@ -8020,7 +8804,7 @@
         </p:nvSpPr>
         <p:spPr>
           <a:xfrm>
-            <a:off x="8909197" y="3175651"/>
+            <a:off x="8909197" y="3029347"/>
             <a:ext cx="618039" cy="506698"/>
           </a:xfrm>
           <a:prstGeom prst="rightArrow">
@@ -8078,7 +8862,7 @@
         </p:nvSpPr>
         <p:spPr>
           <a:xfrm>
-            <a:off x="9643167" y="2859043"/>
+            <a:off x="9643167" y="2712739"/>
             <a:ext cx="2262321" cy="1077218"/>
           </a:xfrm>
           <a:prstGeom prst="rect">
@@ -8157,7 +8941,7 @@
         </p:nvSpPr>
         <p:spPr>
           <a:xfrm>
-            <a:off x="537635" y="2283691"/>
+            <a:off x="537635" y="2137387"/>
             <a:ext cx="2340092" cy="646331"/>
           </a:xfrm>
           <a:prstGeom prst="rect">
@@ -8199,7 +8983,7 @@
         </p:nvSpPr>
         <p:spPr>
           <a:xfrm>
-            <a:off x="2695741" y="3100723"/>
+            <a:off x="2695741" y="2954419"/>
             <a:ext cx="609512" cy="506698"/>
           </a:xfrm>
           <a:prstGeom prst="rightArrow">
@@ -8289,7 +9073,7 @@
         </p:blipFill>
         <p:spPr bwMode="auto">
           <a:xfrm>
-            <a:off x="1183410" y="2993388"/>
+            <a:off x="1183410" y="2847084"/>
             <a:ext cx="1228065" cy="1228065"/>
           </a:xfrm>
           <a:prstGeom prst="rect">
@@ -8307,6 +9091,63 @@
           </a:extLst>
         </p:spPr>
       </p:pic>
+      <p:sp>
+        <p:nvSpPr>
+          <p:cNvPr id="12" name="Title 1">
+            <a:extLst>
+              <a:ext uri="{FF2B5EF4-FFF2-40B4-BE49-F238E27FC236}">
+                <a16:creationId xmlns:a16="http://schemas.microsoft.com/office/drawing/2014/main" id="{9E127E38-1BCF-4F98-8C41-BD4E98B1BAD9}"/>
+              </a:ext>
+            </a:extLst>
+          </p:cNvPr>
+          <p:cNvSpPr txBox="1">
+            <a:spLocks/>
+          </p:cNvSpPr>
+          <p:nvPr/>
+        </p:nvSpPr>
+        <p:spPr>
+          <a:xfrm>
+            <a:off x="489254" y="5190333"/>
+            <a:ext cx="10515600" cy="1325563"/>
+          </a:xfrm>
+          <a:prstGeom prst="rect">
+            <a:avLst/>
+          </a:prstGeom>
+        </p:spPr>
+        <p:txBody>
+          <a:bodyPr vert="horz" lIns="91440" tIns="45720" rIns="91440" bIns="45720" rtlCol="0" anchor="ctr">
+            <a:normAutofit/>
+          </a:bodyPr>
+          <a:lstStyle>
+            <a:lvl1pPr algn="l" defTabSz="914400" rtl="0" eaLnBrk="1" latinLnBrk="0" hangingPunct="1">
+              <a:lnSpc>
+                <a:spcPct val="90000"/>
+              </a:lnSpc>
+              <a:spcBef>
+                <a:spcPct val="0"/>
+              </a:spcBef>
+              <a:buNone/>
+              <a:defRPr sz="4400" kern="1200">
+                <a:solidFill>
+                  <a:schemeClr val="tx1"/>
+                </a:solidFill>
+                <a:latin typeface="+mj-lt"/>
+                <a:ea typeface="+mj-ea"/>
+                <a:cs typeface="+mj-cs"/>
+              </a:defRPr>
+            </a:lvl1pPr>
+          </a:lstStyle>
+          <a:p>
+            <a:br>
+              <a:rPr lang="en-US" sz="2800" u="sng" dirty="0"/>
+            </a:br>
+            <a:r>
+              <a:rPr lang="en-US" sz="2800" u="sng" dirty="0"/>
+              <a:t>Example</a:t>
+            </a:r>
+          </a:p>
+        </p:txBody>
+      </p:sp>
     </p:spTree>
     <p:extLst>
       <p:ext uri="{BB962C8B-B14F-4D97-AF65-F5344CB8AC3E}">
@@ -8360,7 +9201,7 @@
           <a:p>
             <a:r>
               <a:rPr lang="en-US" dirty="0"/>
-              <a:t>Preprocessing</a:t>
+              <a:t>Build Corpus</a:t>
             </a:r>
           </a:p>
         </p:txBody>
@@ -8459,7 +9300,7 @@
           <a:p>
             <a:r>
               <a:rPr lang="en-US" dirty="0"/>
-              <a:t>Cyclic-LDA</a:t>
+              <a:t>Latent Dirichlet Allocation </a:t>
             </a:r>
           </a:p>
         </p:txBody>
@@ -8487,7 +9328,63 @@
           <a:p>
             <a:r>
               <a:rPr lang="en-US" dirty="0"/>
-              <a:t>Latent Dirichlet Allocation</a:t>
+              <a:t>Latent Dirichlet Allocation (LDA) is a topic modeling algorithm that links </a:t>
+            </a:r>
+            <a:r>
+              <a:rPr lang="en-US" i="1" dirty="0"/>
+              <a:t>documents</a:t>
+            </a:r>
+            <a:r>
+              <a:rPr lang="en-US" dirty="0"/>
+              <a:t> to </a:t>
+            </a:r>
+            <a:r>
+              <a:rPr lang="en-US" i="1" dirty="0"/>
+              <a:t>topics</a:t>
+            </a:r>
+            <a:r>
+              <a:rPr lang="en-US" dirty="0"/>
+              <a:t> and </a:t>
+            </a:r>
+            <a:r>
+              <a:rPr lang="en-US" i="1" dirty="0"/>
+              <a:t>topics</a:t>
+            </a:r>
+            <a:r>
+              <a:rPr lang="en-US" dirty="0"/>
+              <a:t> to </a:t>
+            </a:r>
+            <a:r>
+              <a:rPr lang="en-US" i="1" dirty="0"/>
+              <a:t>terms</a:t>
+            </a:r>
+            <a:endParaRPr lang="en-US" dirty="0"/>
+          </a:p>
+          <a:p>
+            <a:r>
+              <a:rPr lang="en-US" dirty="0"/>
+              <a:t>LDA works much like a clustering algorithm</a:t>
+            </a:r>
+          </a:p>
+          <a:p>
+            <a:pPr lvl="1"/>
+            <a:r>
+              <a:rPr lang="en-US" dirty="0"/>
+              <a:t>Pre-specify number of topics</a:t>
+            </a:r>
+          </a:p>
+          <a:p>
+            <a:pPr lvl="1"/>
+            <a:r>
+              <a:rPr lang="en-US" dirty="0"/>
+              <a:t>Randomly assign terms in corpus to topics</a:t>
+            </a:r>
+          </a:p>
+          <a:p>
+            <a:pPr lvl="1"/>
+            <a:r>
+              <a:rPr lang="en-US" dirty="0"/>
+              <a:t>Move terms according to the document composition of the topic (training)</a:t>
             </a:r>
           </a:p>
         </p:txBody>
@@ -8527,7 +9424,7 @@
           <p:cNvPr id="2" name="Title 1">
             <a:extLst>
               <a:ext uri="{FF2B5EF4-FFF2-40B4-BE49-F238E27FC236}">
-                <a16:creationId xmlns:a16="http://schemas.microsoft.com/office/drawing/2014/main" id="{CF5C0CA3-C2A1-45CD-BB2F-212F939D93D0}"/>
+                <a16:creationId xmlns:a16="http://schemas.microsoft.com/office/drawing/2014/main" id="{9E278A96-4F83-4D85-9566-11259A262444}"/>
               </a:ext>
             </a:extLst>
           </p:cNvPr>
@@ -8545,7 +9442,7 @@
           <a:p>
             <a:r>
               <a:rPr lang="en-US" dirty="0"/>
-              <a:t>Next Steps</a:t>
+              <a:t>Latent Dirichlet Allocation</a:t>
             </a:r>
           </a:p>
         </p:txBody>
@@ -8555,7 +9452,7 @@
           <p:cNvPr id="3" name="Content Placeholder 2">
             <a:extLst>
               <a:ext uri="{FF2B5EF4-FFF2-40B4-BE49-F238E27FC236}">
-                <a16:creationId xmlns:a16="http://schemas.microsoft.com/office/drawing/2014/main" id="{DC218671-9819-4633-892F-C37A1086221A}"/>
+                <a16:creationId xmlns:a16="http://schemas.microsoft.com/office/drawing/2014/main" id="{30E9B8BA-F5DC-41B4-95BE-D62CA8B63356}"/>
               </a:ext>
             </a:extLst>
           </p:cNvPr>
@@ -8573,8 +9470,41 @@
           <a:p>
             <a:r>
               <a:rPr lang="en-US" dirty="0"/>
-              <a:t>Normalizing topics (merging synonymous topic areas)</a:t>
-            </a:r>
+              <a:t>We implemented LDA as follows:</a:t>
+            </a:r>
+          </a:p>
+          <a:p>
+            <a:pPr lvl="1"/>
+            <a:r>
+              <a:rPr lang="en-US" dirty="0"/>
+              <a:t>Use </a:t>
+            </a:r>
+            <a:r>
+              <a:rPr lang="en-US" dirty="0" err="1"/>
+              <a:t>Gensim’s</a:t>
+            </a:r>
+            <a:r>
+              <a:rPr lang="en-US" dirty="0"/>
+              <a:t> LDA multi-core model</a:t>
+            </a:r>
+          </a:p>
+          <a:p>
+            <a:pPr lvl="1"/>
+            <a:r>
+              <a:rPr lang="en-US" dirty="0"/>
+              <a:t>Train with 100 passes and 500 iterations</a:t>
+            </a:r>
+          </a:p>
+          <a:p>
+            <a:pPr lvl="1"/>
+            <a:r>
+              <a:rPr lang="en-US" dirty="0"/>
+              <a:t>Find 6 topics (empirically determined to maximize coherence score)</a:t>
+            </a:r>
+          </a:p>
+          <a:p>
+            <a:pPr lvl="1"/>
+            <a:endParaRPr lang="en-US" dirty="0"/>
           </a:p>
           <a:p>
             <a:endParaRPr lang="en-US" dirty="0"/>
@@ -8584,7 +9514,7 @@
     </p:spTree>
     <p:extLst>
       <p:ext uri="{BB962C8B-B14F-4D97-AF65-F5344CB8AC3E}">
-        <p14:creationId xmlns:p14="http://schemas.microsoft.com/office/powerpoint/2010/main" val="2750016725"/>
+        <p14:creationId xmlns:p14="http://schemas.microsoft.com/office/powerpoint/2010/main" val="1612016186"/>
       </p:ext>
     </p:extLst>
   </p:cSld>

--- a/topicmodeling/presentation/topicmodel_presentation.pptx
+++ b/topicmodeling/presentation/topicmodel_presentation.pptx
@@ -18,8 +18,9 @@
     <p:sldId id="267" r:id="rId12"/>
     <p:sldId id="270" r:id="rId13"/>
     <p:sldId id="271" r:id="rId14"/>
-    <p:sldId id="259" r:id="rId15"/>
-    <p:sldId id="260" r:id="rId16"/>
+    <p:sldId id="272" r:id="rId15"/>
+    <p:sldId id="259" r:id="rId16"/>
+    <p:sldId id="260" r:id="rId17"/>
   </p:sldIdLst>
   <p:sldSz cx="12192000" cy="6858000"/>
   <p:notesSz cx="6858000" cy="9144000"/>
@@ -2978,7 +2979,7 @@
           <a:p>
             <a:fld id="{F5F6CCD4-9BA8-48EE-BFD0-A699698EB9A2}" type="datetimeFigureOut">
               <a:rPr lang="en-US" smtClean="0"/>
-              <a:t>7/16/2019</a:t>
+              <a:t>7/17/2019</a:t>
             </a:fld>
             <a:endParaRPr lang="en-US"/>
           </a:p>
@@ -3176,7 +3177,7 @@
           <a:p>
             <a:fld id="{F5F6CCD4-9BA8-48EE-BFD0-A699698EB9A2}" type="datetimeFigureOut">
               <a:rPr lang="en-US" smtClean="0"/>
-              <a:t>7/16/2019</a:t>
+              <a:t>7/17/2019</a:t>
             </a:fld>
             <a:endParaRPr lang="en-US"/>
           </a:p>
@@ -3384,7 +3385,7 @@
           <a:p>
             <a:fld id="{F5F6CCD4-9BA8-48EE-BFD0-A699698EB9A2}" type="datetimeFigureOut">
               <a:rPr lang="en-US" smtClean="0"/>
-              <a:t>7/16/2019</a:t>
+              <a:t>7/17/2019</a:t>
             </a:fld>
             <a:endParaRPr lang="en-US"/>
           </a:p>
@@ -3582,7 +3583,7 @@
           <a:p>
             <a:fld id="{F5F6CCD4-9BA8-48EE-BFD0-A699698EB9A2}" type="datetimeFigureOut">
               <a:rPr lang="en-US" smtClean="0"/>
-              <a:t>7/16/2019</a:t>
+              <a:t>7/17/2019</a:t>
             </a:fld>
             <a:endParaRPr lang="en-US"/>
           </a:p>
@@ -3857,7 +3858,7 @@
           <a:p>
             <a:fld id="{F5F6CCD4-9BA8-48EE-BFD0-A699698EB9A2}" type="datetimeFigureOut">
               <a:rPr lang="en-US" smtClean="0"/>
-              <a:t>7/16/2019</a:t>
+              <a:t>7/17/2019</a:t>
             </a:fld>
             <a:endParaRPr lang="en-US"/>
           </a:p>
@@ -4122,7 +4123,7 @@
           <a:p>
             <a:fld id="{F5F6CCD4-9BA8-48EE-BFD0-A699698EB9A2}" type="datetimeFigureOut">
               <a:rPr lang="en-US" smtClean="0"/>
-              <a:t>7/16/2019</a:t>
+              <a:t>7/17/2019</a:t>
             </a:fld>
             <a:endParaRPr lang="en-US"/>
           </a:p>
@@ -4534,7 +4535,7 @@
           <a:p>
             <a:fld id="{F5F6CCD4-9BA8-48EE-BFD0-A699698EB9A2}" type="datetimeFigureOut">
               <a:rPr lang="en-US" smtClean="0"/>
-              <a:t>7/16/2019</a:t>
+              <a:t>7/17/2019</a:t>
             </a:fld>
             <a:endParaRPr lang="en-US"/>
           </a:p>
@@ -4675,7 +4676,7 @@
           <a:p>
             <a:fld id="{F5F6CCD4-9BA8-48EE-BFD0-A699698EB9A2}" type="datetimeFigureOut">
               <a:rPr lang="en-US" smtClean="0"/>
-              <a:t>7/16/2019</a:t>
+              <a:t>7/17/2019</a:t>
             </a:fld>
             <a:endParaRPr lang="en-US"/>
           </a:p>
@@ -4788,7 +4789,7 @@
           <a:p>
             <a:fld id="{F5F6CCD4-9BA8-48EE-BFD0-A699698EB9A2}" type="datetimeFigureOut">
               <a:rPr lang="en-US" smtClean="0"/>
-              <a:t>7/16/2019</a:t>
+              <a:t>7/17/2019</a:t>
             </a:fld>
             <a:endParaRPr lang="en-US"/>
           </a:p>
@@ -5099,7 +5100,7 @@
           <a:p>
             <a:fld id="{F5F6CCD4-9BA8-48EE-BFD0-A699698EB9A2}" type="datetimeFigureOut">
               <a:rPr lang="en-US" smtClean="0"/>
-              <a:t>7/16/2019</a:t>
+              <a:t>7/17/2019</a:t>
             </a:fld>
             <a:endParaRPr lang="en-US"/>
           </a:p>
@@ -5387,7 +5388,7 @@
           <a:p>
             <a:fld id="{F5F6CCD4-9BA8-48EE-BFD0-A699698EB9A2}" type="datetimeFigureOut">
               <a:rPr lang="en-US" smtClean="0"/>
-              <a:t>7/16/2019</a:t>
+              <a:t>7/17/2019</a:t>
             </a:fld>
             <a:endParaRPr lang="en-US"/>
           </a:p>
@@ -5628,7 +5629,7 @@
           <a:p>
             <a:fld id="{F5F6CCD4-9BA8-48EE-BFD0-A699698EB9A2}" type="datetimeFigureOut">
               <a:rPr lang="en-US" smtClean="0"/>
-              <a:t>7/16/2019</a:t>
+              <a:t>7/17/2019</a:t>
             </a:fld>
             <a:endParaRPr lang="en-US"/>
           </a:p>
@@ -6660,10 +6661,10 @@
       </p:sp>
       <p:sp>
         <p:nvSpPr>
-          <p:cNvPr id="5" name="Content Placeholder 4">
-            <a:extLst>
-              <a:ext uri="{FF2B5EF4-FFF2-40B4-BE49-F238E27FC236}">
-                <a16:creationId xmlns:a16="http://schemas.microsoft.com/office/drawing/2014/main" id="{AB9AF6E3-115A-429F-8456-23AFD9F6E67D}"/>
+          <p:cNvPr id="7" name="Content Placeholder 6">
+            <a:extLst>
+              <a:ext uri="{FF2B5EF4-FFF2-40B4-BE49-F238E27FC236}">
+                <a16:creationId xmlns:a16="http://schemas.microsoft.com/office/drawing/2014/main" id="{6E65049E-6493-45A8-A6C8-114608800FDA}"/>
               </a:ext>
             </a:extLst>
           </p:cNvPr>
@@ -6679,7 +6680,7 @@
           <a:bodyPr/>
           <a:lstStyle/>
           <a:p>
-            <a:endParaRPr lang="en-US" dirty="0"/>
+            <a:endParaRPr lang="en-US"/>
           </a:p>
         </p:txBody>
       </p:sp>
@@ -6734,7 +6735,10 @@
           <a:bodyPr/>
           <a:lstStyle/>
           <a:p>
-            <a:endParaRPr lang="en-US" dirty="0"/>
+            <a:r>
+              <a:rPr lang="en-US" dirty="0"/>
+              <a:t>Comparison</a:t>
+            </a:r>
           </a:p>
         </p:txBody>
       </p:sp>
@@ -6756,10 +6760,89 @@
         </p:nvSpPr>
         <p:spPr/>
         <p:txBody>
-          <a:bodyPr/>
+          <a:bodyPr>
+            <a:normAutofit lnSpcReduction="10000"/>
+          </a:bodyPr>
           <a:lstStyle/>
           <a:p>
-            <a:endParaRPr lang="en-US" dirty="0"/>
+            <a:r>
+              <a:rPr lang="en-US" dirty="0"/>
+              <a:t>protein, data, using, space, b, </a:t>
+            </a:r>
+            <a:r>
+              <a:rPr lang="en-US" dirty="0" err="1"/>
+              <a:t>xray</a:t>
+            </a:r>
+            <a:r>
+              <a:rPr lang="en-US" dirty="0"/>
+              <a:t>, p, resolution, beta, scattering</a:t>
+            </a:r>
+          </a:p>
+          <a:p>
+            <a:r>
+              <a:rPr lang="en-US" dirty="0"/>
+              <a:t> diffraction, data, result, </a:t>
+            </a:r>
+            <a:r>
+              <a:rPr lang="en-US" dirty="0" err="1"/>
+              <a:t>xray</a:t>
+            </a:r>
+            <a:r>
+              <a:rPr lang="en-US" dirty="0"/>
+              <a:t>, method, protein, using, factor, model, also </a:t>
+            </a:r>
+          </a:p>
+          <a:p>
+            <a:r>
+              <a:rPr lang="en-US" dirty="0"/>
+              <a:t>diffraction, </a:t>
+            </a:r>
+            <a:r>
+              <a:rPr lang="en-US" dirty="0" err="1"/>
+              <a:t>xray</a:t>
+            </a:r>
+            <a:r>
+              <a:rPr lang="en-US" dirty="0"/>
+              <a:t>, material, analysis, data, model, sample, using, structural, lattice </a:t>
+            </a:r>
+          </a:p>
+          <a:p>
+            <a:r>
+              <a:rPr lang="en-US" dirty="0" err="1"/>
+              <a:t>xray</a:t>
+            </a:r>
+            <a:r>
+              <a:rPr lang="en-US" dirty="0"/>
+              <a:t>, data, diffraction, protein, using, domain, time, structural, material, sample </a:t>
+            </a:r>
+          </a:p>
+          <a:p>
+            <a:r>
+              <a:rPr lang="en-US" dirty="0"/>
+              <a:t>ligand, complex, distorted, prime, water, anion, coordination, cation, coordinated, ion </a:t>
+            </a:r>
+          </a:p>
+          <a:p>
+            <a:r>
+              <a:rPr lang="en-US" dirty="0"/>
+              <a:t>pi, plane, </a:t>
+            </a:r>
+            <a:r>
+              <a:rPr lang="en-US" dirty="0" err="1"/>
+              <a:t>chno</a:t>
+            </a:r>
+            <a:r>
+              <a:rPr lang="en-US" dirty="0"/>
+              <a:t>, linked, benzene, the, </a:t>
+            </a:r>
+            <a:r>
+              <a:rPr lang="en-US" dirty="0" err="1"/>
+              <a:t>hn</a:t>
+            </a:r>
+            <a:r>
+              <a:rPr lang="en-US" dirty="0"/>
+              <a:t>, along, conformation, weak</a:t>
+            </a:r>
           </a:p>
         </p:txBody>
       </p:sp>
@@ -6798,6 +6881,89 @@
           <p:cNvPr id="2" name="Title 1">
             <a:extLst>
               <a:ext uri="{FF2B5EF4-FFF2-40B4-BE49-F238E27FC236}">
+                <a16:creationId xmlns:a16="http://schemas.microsoft.com/office/drawing/2014/main" id="{832EA16A-1B80-41B1-8890-4ED5B90AD2B6}"/>
+              </a:ext>
+            </a:extLst>
+          </p:cNvPr>
+          <p:cNvSpPr>
+            <a:spLocks noGrp="1"/>
+          </p:cNvSpPr>
+          <p:nvPr>
+            <p:ph type="title"/>
+          </p:nvPr>
+        </p:nvSpPr>
+        <p:spPr/>
+        <p:txBody>
+          <a:bodyPr/>
+          <a:lstStyle/>
+          <a:p>
+            <a:r>
+              <a:rPr lang="en-US" dirty="0"/>
+              <a:t>Comparison</a:t>
+            </a:r>
+          </a:p>
+        </p:txBody>
+      </p:sp>
+      <p:sp>
+        <p:nvSpPr>
+          <p:cNvPr id="4" name="Content Placeholder 3">
+            <a:extLst>
+              <a:ext uri="{FF2B5EF4-FFF2-40B4-BE49-F238E27FC236}">
+                <a16:creationId xmlns:a16="http://schemas.microsoft.com/office/drawing/2014/main" id="{70661987-64BF-4816-BF70-C5F9FAEBDD77}"/>
+              </a:ext>
+            </a:extLst>
+          </p:cNvPr>
+          <p:cNvSpPr>
+            <a:spLocks noGrp="1"/>
+          </p:cNvSpPr>
+          <p:nvPr>
+            <p:ph idx="1"/>
+          </p:nvPr>
+        </p:nvSpPr>
+        <p:spPr/>
+        <p:txBody>
+          <a:bodyPr/>
+          <a:lstStyle/>
+          <a:p>
+            <a:endParaRPr lang="en-US"/>
+          </a:p>
+        </p:txBody>
+      </p:sp>
+    </p:spTree>
+    <p:extLst>
+      <p:ext uri="{BB962C8B-B14F-4D97-AF65-F5344CB8AC3E}">
+        <p14:creationId xmlns:p14="http://schemas.microsoft.com/office/powerpoint/2010/main" val="1396334654"/>
+      </p:ext>
+    </p:extLst>
+  </p:cSld>
+  <p:clrMapOvr>
+    <a:masterClrMapping/>
+  </p:clrMapOvr>
+</p:sld>
+</file>
+
+<file path=ppt/slides/slide15.xml><?xml version="1.0" encoding="utf-8"?>
+<p:sld xmlns:a="http://schemas.openxmlformats.org/drawingml/2006/main" xmlns:r="http://schemas.openxmlformats.org/officeDocument/2006/relationships" xmlns:p="http://schemas.openxmlformats.org/presentationml/2006/main">
+  <p:cSld>
+    <p:spTree>
+      <p:nvGrpSpPr>
+        <p:cNvPr id="1" name=""/>
+        <p:cNvGrpSpPr/>
+        <p:nvPr/>
+      </p:nvGrpSpPr>
+      <p:grpSpPr>
+        <a:xfrm>
+          <a:off x="0" y="0"/>
+          <a:ext cx="0" cy="0"/>
+          <a:chOff x="0" y="0"/>
+          <a:chExt cx="0" cy="0"/>
+        </a:xfrm>
+      </p:grpSpPr>
+      <p:sp>
+        <p:nvSpPr>
+          <p:cNvPr id="2" name="Title 1">
+            <a:extLst>
+              <a:ext uri="{FF2B5EF4-FFF2-40B4-BE49-F238E27FC236}">
                 <a16:creationId xmlns:a16="http://schemas.microsoft.com/office/drawing/2014/main" id="{CF5C0CA3-C2A1-45CD-BB2F-212F939D93D0}"/>
               </a:ext>
             </a:extLst>
@@ -6865,7 +7031,7 @@
 </p:sld>
 </file>
 
-<file path=ppt/slides/slide15.xml><?xml version="1.0" encoding="utf-8"?>
+<file path=ppt/slides/slide16.xml><?xml version="1.0" encoding="utf-8"?>
 <p:sld xmlns:a="http://schemas.openxmlformats.org/drawingml/2006/main" xmlns:r="http://schemas.openxmlformats.org/officeDocument/2006/relationships" xmlns:p="http://schemas.openxmlformats.org/presentationml/2006/main">
   <p:cSld>
     <p:spTree>

--- a/topicmodeling/presentation/topicmodel_presentation.pptx
+++ b/topicmodeling/presentation/topicmodel_presentation.pptx
@@ -19,8 +19,9 @@
     <p:sldId id="270" r:id="rId13"/>
     <p:sldId id="271" r:id="rId14"/>
     <p:sldId id="272" r:id="rId15"/>
-    <p:sldId id="259" r:id="rId16"/>
-    <p:sldId id="260" r:id="rId17"/>
+    <p:sldId id="273" r:id="rId16"/>
+    <p:sldId id="259" r:id="rId17"/>
+    <p:sldId id="260" r:id="rId18"/>
   </p:sldIdLst>
   <p:sldSz cx="12192000" cy="6858000"/>
   <p:notesSz cx="6858000" cy="9144000"/>
@@ -2979,7 +2980,7 @@
           <a:p>
             <a:fld id="{F5F6CCD4-9BA8-48EE-BFD0-A699698EB9A2}" type="datetimeFigureOut">
               <a:rPr lang="en-US" smtClean="0"/>
-              <a:t>7/17/2019</a:t>
+              <a:t>7/22/2019</a:t>
             </a:fld>
             <a:endParaRPr lang="en-US"/>
           </a:p>
@@ -3177,7 +3178,7 @@
           <a:p>
             <a:fld id="{F5F6CCD4-9BA8-48EE-BFD0-A699698EB9A2}" type="datetimeFigureOut">
               <a:rPr lang="en-US" smtClean="0"/>
-              <a:t>7/17/2019</a:t>
+              <a:t>7/22/2019</a:t>
             </a:fld>
             <a:endParaRPr lang="en-US"/>
           </a:p>
@@ -3385,7 +3386,7 @@
           <a:p>
             <a:fld id="{F5F6CCD4-9BA8-48EE-BFD0-A699698EB9A2}" type="datetimeFigureOut">
               <a:rPr lang="en-US" smtClean="0"/>
-              <a:t>7/17/2019</a:t>
+              <a:t>7/22/2019</a:t>
             </a:fld>
             <a:endParaRPr lang="en-US"/>
           </a:p>
@@ -3583,7 +3584,7 @@
           <a:p>
             <a:fld id="{F5F6CCD4-9BA8-48EE-BFD0-A699698EB9A2}" type="datetimeFigureOut">
               <a:rPr lang="en-US" smtClean="0"/>
-              <a:t>7/17/2019</a:t>
+              <a:t>7/22/2019</a:t>
             </a:fld>
             <a:endParaRPr lang="en-US"/>
           </a:p>
@@ -3858,7 +3859,7 @@
           <a:p>
             <a:fld id="{F5F6CCD4-9BA8-48EE-BFD0-A699698EB9A2}" type="datetimeFigureOut">
               <a:rPr lang="en-US" smtClean="0"/>
-              <a:t>7/17/2019</a:t>
+              <a:t>7/22/2019</a:t>
             </a:fld>
             <a:endParaRPr lang="en-US"/>
           </a:p>
@@ -4123,7 +4124,7 @@
           <a:p>
             <a:fld id="{F5F6CCD4-9BA8-48EE-BFD0-A699698EB9A2}" type="datetimeFigureOut">
               <a:rPr lang="en-US" smtClean="0"/>
-              <a:t>7/17/2019</a:t>
+              <a:t>7/22/2019</a:t>
             </a:fld>
             <a:endParaRPr lang="en-US"/>
           </a:p>
@@ -4535,7 +4536,7 @@
           <a:p>
             <a:fld id="{F5F6CCD4-9BA8-48EE-BFD0-A699698EB9A2}" type="datetimeFigureOut">
               <a:rPr lang="en-US" smtClean="0"/>
-              <a:t>7/17/2019</a:t>
+              <a:t>7/22/2019</a:t>
             </a:fld>
             <a:endParaRPr lang="en-US"/>
           </a:p>
@@ -4676,7 +4677,7 @@
           <a:p>
             <a:fld id="{F5F6CCD4-9BA8-48EE-BFD0-A699698EB9A2}" type="datetimeFigureOut">
               <a:rPr lang="en-US" smtClean="0"/>
-              <a:t>7/17/2019</a:t>
+              <a:t>7/22/2019</a:t>
             </a:fld>
             <a:endParaRPr lang="en-US"/>
           </a:p>
@@ -4789,7 +4790,7 @@
           <a:p>
             <a:fld id="{F5F6CCD4-9BA8-48EE-BFD0-A699698EB9A2}" type="datetimeFigureOut">
               <a:rPr lang="en-US" smtClean="0"/>
-              <a:t>7/17/2019</a:t>
+              <a:t>7/22/2019</a:t>
             </a:fld>
             <a:endParaRPr lang="en-US"/>
           </a:p>
@@ -5100,7 +5101,7 @@
           <a:p>
             <a:fld id="{F5F6CCD4-9BA8-48EE-BFD0-A699698EB9A2}" type="datetimeFigureOut">
               <a:rPr lang="en-US" smtClean="0"/>
-              <a:t>7/17/2019</a:t>
+              <a:t>7/22/2019</a:t>
             </a:fld>
             <a:endParaRPr lang="en-US"/>
           </a:p>
@@ -5388,7 +5389,7 @@
           <a:p>
             <a:fld id="{F5F6CCD4-9BA8-48EE-BFD0-A699698EB9A2}" type="datetimeFigureOut">
               <a:rPr lang="en-US" smtClean="0"/>
-              <a:t>7/17/2019</a:t>
+              <a:t>7/22/2019</a:t>
             </a:fld>
             <a:endParaRPr lang="en-US"/>
           </a:p>
@@ -5629,7 +5630,7 @@
           <a:p>
             <a:fld id="{F5F6CCD4-9BA8-48EE-BFD0-A699698EB9A2}" type="datetimeFigureOut">
               <a:rPr lang="en-US" smtClean="0"/>
-              <a:t>7/17/2019</a:t>
+              <a:t>7/22/2019</a:t>
             </a:fld>
             <a:endParaRPr lang="en-US"/>
           </a:p>
@@ -6569,7 +6570,7 @@
             <a:pPr lvl="1"/>
             <a:r>
               <a:rPr lang="en-US" dirty="0"/>
-              <a:t>The number of topics for LDA  is determined by multiplying the number of documents to model by some specified ratio </a:t>
+              <a:t>The number of topics for LDA  is determined by multiplying the number of documents to model by some specified doc-to-topic ratio </a:t>
             </a:r>
             <a:r>
               <a:rPr lang="en-US" i="1" dirty="0"/>
@@ -6904,31 +6905,41 @@
           </a:p>
         </p:txBody>
       </p:sp>
-      <p:sp>
-        <p:nvSpPr>
-          <p:cNvPr id="4" name="Content Placeholder 3">
+      <p:pic>
+        <p:nvPicPr>
+          <p:cNvPr id="5" name="Content Placeholder 4">
             <a:extLst>
               <a:ext uri="{FF2B5EF4-FFF2-40B4-BE49-F238E27FC236}">
-                <a16:creationId xmlns:a16="http://schemas.microsoft.com/office/drawing/2014/main" id="{70661987-64BF-4816-BF70-C5F9FAEBDD77}"/>
+                <a16:creationId xmlns:a16="http://schemas.microsoft.com/office/drawing/2014/main" id="{558A343F-42D1-404A-B212-76BCE65C562C}"/>
               </a:ext>
             </a:extLst>
           </p:cNvPr>
-          <p:cNvSpPr>
-            <a:spLocks noGrp="1"/>
-          </p:cNvSpPr>
+          <p:cNvPicPr>
+            <a:picLocks noGrp="1" noChangeAspect="1"/>
+          </p:cNvPicPr>
           <p:nvPr>
             <p:ph idx="1"/>
           </p:nvPr>
-        </p:nvSpPr>
-        <p:spPr/>
-        <p:txBody>
-          <a:bodyPr/>
-          <a:lstStyle/>
-          <a:p>
-            <a:endParaRPr lang="en-US"/>
-          </a:p>
-        </p:txBody>
-      </p:sp>
+        </p:nvPicPr>
+        <p:blipFill>
+          <a:blip r:embed="rId2">
+            <a:extLst>
+              <a:ext uri="{28A0092B-C50C-407E-A947-70E740481C1C}">
+                <a14:useLocalDpi xmlns:a14="http://schemas.microsoft.com/office/drawing/2010/main" val="0"/>
+              </a:ext>
+            </a:extLst>
+          </a:blip>
+          <a:stretch>
+            <a:fillRect/>
+          </a:stretch>
+        </p:blipFill>
+        <p:spPr>
+          <a:xfrm>
+            <a:off x="2627070" y="2072640"/>
+            <a:ext cx="6216262" cy="4154587"/>
+          </a:xfrm>
+        </p:spPr>
+      </p:pic>
     </p:spTree>
     <p:extLst>
       <p:ext uri="{BB962C8B-B14F-4D97-AF65-F5344CB8AC3E}">
@@ -6943,6 +6954,726 @@
 </file>
 
 <file path=ppt/slides/slide15.xml><?xml version="1.0" encoding="utf-8"?>
+<p:sld xmlns:a="http://schemas.openxmlformats.org/drawingml/2006/main" xmlns:r="http://schemas.openxmlformats.org/officeDocument/2006/relationships" xmlns:p="http://schemas.openxmlformats.org/presentationml/2006/main">
+  <p:cSld>
+    <p:spTree>
+      <p:nvGrpSpPr>
+        <p:cNvPr id="1" name=""/>
+        <p:cNvGrpSpPr/>
+        <p:nvPr/>
+      </p:nvGrpSpPr>
+      <p:grpSpPr>
+        <a:xfrm>
+          <a:off x="0" y="0"/>
+          <a:ext cx="0" cy="0"/>
+          <a:chOff x="0" y="0"/>
+          <a:chExt cx="0" cy="0"/>
+        </a:xfrm>
+      </p:grpSpPr>
+      <p:grpSp>
+        <p:nvGrpSpPr>
+          <p:cNvPr id="60" name="Group 59">
+            <a:extLst>
+              <a:ext uri="{FF2B5EF4-FFF2-40B4-BE49-F238E27FC236}">
+                <a16:creationId xmlns:a16="http://schemas.microsoft.com/office/drawing/2014/main" id="{DA3B4581-612B-48F4-850B-6081813C0019}"/>
+              </a:ext>
+            </a:extLst>
+          </p:cNvPr>
+          <p:cNvGrpSpPr/>
+          <p:nvPr/>
+        </p:nvGrpSpPr>
+        <p:grpSpPr>
+          <a:xfrm>
+            <a:off x="3371798" y="1305806"/>
+            <a:ext cx="5607151" cy="3297198"/>
+            <a:chOff x="3371798" y="1305806"/>
+            <a:chExt cx="5607151" cy="3297198"/>
+          </a:xfrm>
+        </p:grpSpPr>
+        <p:sp>
+          <p:nvSpPr>
+            <p:cNvPr id="5" name="TextBox 4">
+              <a:extLst>
+                <a:ext uri="{FF2B5EF4-FFF2-40B4-BE49-F238E27FC236}">
+                  <a16:creationId xmlns:a16="http://schemas.microsoft.com/office/drawing/2014/main" id="{D0C31C8D-6792-4F8C-AA0B-E20CE9AAC2F7}"/>
+                </a:ext>
+              </a:extLst>
+            </p:cNvPr>
+            <p:cNvSpPr txBox="1"/>
+            <p:nvPr/>
+          </p:nvSpPr>
+          <p:spPr>
+            <a:xfrm>
+              <a:off x="3371798" y="2880360"/>
+              <a:ext cx="1900072" cy="369332"/>
+            </a:xfrm>
+            <a:prstGeom prst="rect">
+              <a:avLst/>
+            </a:prstGeom>
+            <a:noFill/>
+          </p:spPr>
+          <p:txBody>
+            <a:bodyPr wrap="none" rtlCol="0">
+              <a:spAutoFit/>
+            </a:bodyPr>
+            <a:lstStyle/>
+            <a:p>
+              <a:r>
+                <a:rPr lang="en-US" dirty="0"/>
+                <a:t>N hydrogen bonds</a:t>
+              </a:r>
+            </a:p>
+          </p:txBody>
+        </p:sp>
+        <p:sp>
+          <p:nvSpPr>
+            <p:cNvPr id="9" name="TextBox 8">
+              <a:extLst>
+                <a:ext uri="{FF2B5EF4-FFF2-40B4-BE49-F238E27FC236}">
+                  <a16:creationId xmlns:a16="http://schemas.microsoft.com/office/drawing/2014/main" id="{0ECE776B-87D5-4D7A-84B0-65A812A73FA5}"/>
+                </a:ext>
+              </a:extLst>
+            </p:cNvPr>
+            <p:cNvSpPr txBox="1"/>
+            <p:nvPr/>
+          </p:nvSpPr>
+          <p:spPr>
+            <a:xfrm>
+              <a:off x="4033443" y="1784414"/>
+              <a:ext cx="1907895" cy="369332"/>
+            </a:xfrm>
+            <a:prstGeom prst="rect">
+              <a:avLst/>
+            </a:prstGeom>
+            <a:noFill/>
+          </p:spPr>
+          <p:txBody>
+            <a:bodyPr wrap="none" rtlCol="0">
+              <a:spAutoFit/>
+            </a:bodyPr>
+            <a:lstStyle/>
+            <a:p>
+              <a:r>
+                <a:rPr lang="en-US" dirty="0"/>
+                <a:t>A and B molecules</a:t>
+              </a:r>
+            </a:p>
+          </p:txBody>
+        </p:sp>
+        <p:sp>
+          <p:nvSpPr>
+            <p:cNvPr id="10" name="TextBox 9">
+              <a:extLst>
+                <a:ext uri="{FF2B5EF4-FFF2-40B4-BE49-F238E27FC236}">
+                  <a16:creationId xmlns:a16="http://schemas.microsoft.com/office/drawing/2014/main" id="{2F9EB696-624F-4630-9E73-229BDBB98F17}"/>
+                </a:ext>
+              </a:extLst>
+            </p:cNvPr>
+            <p:cNvSpPr txBox="1"/>
+            <p:nvPr/>
+          </p:nvSpPr>
+          <p:spPr>
+            <a:xfrm>
+              <a:off x="6678168" y="2880360"/>
+              <a:ext cx="1561710" cy="369332"/>
+            </a:xfrm>
+            <a:prstGeom prst="rect">
+              <a:avLst/>
+            </a:prstGeom>
+            <a:noFill/>
+          </p:spPr>
+          <p:txBody>
+            <a:bodyPr wrap="none" rtlCol="0">
+              <a:spAutoFit/>
+            </a:bodyPr>
+            <a:lstStyle/>
+            <a:p>
+              <a:r>
+                <a:rPr lang="en-US" dirty="0"/>
+                <a:t>crystal packing</a:t>
+              </a:r>
+            </a:p>
+          </p:txBody>
+        </p:sp>
+        <p:sp>
+          <p:nvSpPr>
+            <p:cNvPr id="11" name="TextBox 10">
+              <a:extLst>
+                <a:ext uri="{FF2B5EF4-FFF2-40B4-BE49-F238E27FC236}">
+                  <a16:creationId xmlns:a16="http://schemas.microsoft.com/office/drawing/2014/main" id="{2CCC7E95-CF0E-41D0-83D5-5AD2E128304B}"/>
+                </a:ext>
+              </a:extLst>
+            </p:cNvPr>
+            <p:cNvSpPr txBox="1"/>
+            <p:nvPr/>
+          </p:nvSpPr>
+          <p:spPr>
+            <a:xfrm>
+              <a:off x="4142850" y="3695069"/>
+              <a:ext cx="1997150" cy="369332"/>
+            </a:xfrm>
+            <a:prstGeom prst="rect">
+              <a:avLst/>
+            </a:prstGeom>
+            <a:noFill/>
+          </p:spPr>
+          <p:txBody>
+            <a:bodyPr wrap="none" rtlCol="0">
+              <a:spAutoFit/>
+            </a:bodyPr>
+            <a:lstStyle/>
+            <a:p>
+              <a:r>
+                <a:rPr lang="en-US" dirty="0"/>
+                <a:t>adjacent molecules</a:t>
+              </a:r>
+            </a:p>
+          </p:txBody>
+        </p:sp>
+        <p:cxnSp>
+          <p:nvCxnSpPr>
+            <p:cNvPr id="13" name="Straight Arrow Connector 12">
+              <a:extLst>
+                <a:ext uri="{FF2B5EF4-FFF2-40B4-BE49-F238E27FC236}">
+                  <a16:creationId xmlns:a16="http://schemas.microsoft.com/office/drawing/2014/main" id="{93E34857-56AA-49C6-9DB1-1C0415468523}"/>
+                </a:ext>
+              </a:extLst>
+            </p:cNvPr>
+            <p:cNvCxnSpPr>
+              <a:cxnSpLocks/>
+            </p:cNvCxnSpPr>
+            <p:nvPr/>
+          </p:nvCxnSpPr>
+          <p:spPr>
+            <a:xfrm>
+              <a:off x="5449824" y="3065026"/>
+              <a:ext cx="1060704" cy="0"/>
+            </a:xfrm>
+            <a:prstGeom prst="straightConnector1">
+              <a:avLst/>
+            </a:prstGeom>
+            <a:ln w="28575">
+              <a:tailEnd type="triangle"/>
+            </a:ln>
+          </p:spPr>
+          <p:style>
+            <a:lnRef idx="1">
+              <a:schemeClr val="dk1"/>
+            </a:lnRef>
+            <a:fillRef idx="0">
+              <a:schemeClr val="dk1"/>
+            </a:fillRef>
+            <a:effectRef idx="0">
+              <a:schemeClr val="dk1"/>
+            </a:effectRef>
+            <a:fontRef idx="minor">
+              <a:schemeClr val="tx1"/>
+            </a:fontRef>
+          </p:style>
+        </p:cxnSp>
+        <p:cxnSp>
+          <p:nvCxnSpPr>
+            <p:cNvPr id="14" name="Straight Arrow Connector 13">
+              <a:extLst>
+                <a:ext uri="{FF2B5EF4-FFF2-40B4-BE49-F238E27FC236}">
+                  <a16:creationId xmlns:a16="http://schemas.microsoft.com/office/drawing/2014/main" id="{609245C6-3174-46AE-BE14-61A2C3EA5D62}"/>
+                </a:ext>
+              </a:extLst>
+            </p:cNvPr>
+            <p:cNvCxnSpPr>
+              <a:cxnSpLocks/>
+              <a:stCxn id="5" idx="0"/>
+              <a:endCxn id="9" idx="2"/>
+            </p:cNvCxnSpPr>
+            <p:nvPr/>
+          </p:nvCxnSpPr>
+          <p:spPr>
+            <a:xfrm flipV="1">
+              <a:off x="4321834" y="2153746"/>
+              <a:ext cx="665557" cy="726614"/>
+            </a:xfrm>
+            <a:prstGeom prst="straightConnector1">
+              <a:avLst/>
+            </a:prstGeom>
+            <a:ln w="28575">
+              <a:tailEnd type="triangle"/>
+            </a:ln>
+          </p:spPr>
+          <p:style>
+            <a:lnRef idx="1">
+              <a:schemeClr val="dk1"/>
+            </a:lnRef>
+            <a:fillRef idx="0">
+              <a:schemeClr val="dk1"/>
+            </a:fillRef>
+            <a:effectRef idx="0">
+              <a:schemeClr val="dk1"/>
+            </a:effectRef>
+            <a:fontRef idx="minor">
+              <a:schemeClr val="tx1"/>
+            </a:fontRef>
+          </p:style>
+        </p:cxnSp>
+        <p:cxnSp>
+          <p:nvCxnSpPr>
+            <p:cNvPr id="19" name="Straight Arrow Connector 18">
+              <a:extLst>
+                <a:ext uri="{FF2B5EF4-FFF2-40B4-BE49-F238E27FC236}">
+                  <a16:creationId xmlns:a16="http://schemas.microsoft.com/office/drawing/2014/main" id="{847A5BB8-A454-4226-8E68-F8E0FB365ABD}"/>
+                </a:ext>
+              </a:extLst>
+            </p:cNvPr>
+            <p:cNvCxnSpPr>
+              <a:cxnSpLocks/>
+              <a:stCxn id="5" idx="2"/>
+            </p:cNvCxnSpPr>
+            <p:nvPr/>
+          </p:nvCxnSpPr>
+          <p:spPr>
+            <a:xfrm>
+              <a:off x="4321834" y="3249692"/>
+              <a:ext cx="661646" cy="401330"/>
+            </a:xfrm>
+            <a:prstGeom prst="straightConnector1">
+              <a:avLst/>
+            </a:prstGeom>
+            <a:ln w="28575">
+              <a:tailEnd type="triangle"/>
+            </a:ln>
+          </p:spPr>
+          <p:style>
+            <a:lnRef idx="1">
+              <a:schemeClr val="dk1"/>
+            </a:lnRef>
+            <a:fillRef idx="0">
+              <a:schemeClr val="dk1"/>
+            </a:fillRef>
+            <a:effectRef idx="0">
+              <a:schemeClr val="dk1"/>
+            </a:effectRef>
+            <a:fontRef idx="minor">
+              <a:schemeClr val="tx1"/>
+            </a:fontRef>
+          </p:style>
+        </p:cxnSp>
+        <p:sp>
+          <p:nvSpPr>
+            <p:cNvPr id="25" name="TextBox 24">
+              <a:extLst>
+                <a:ext uri="{FF2B5EF4-FFF2-40B4-BE49-F238E27FC236}">
+                  <a16:creationId xmlns:a16="http://schemas.microsoft.com/office/drawing/2014/main" id="{7066A0BC-03AB-461E-8A42-1C045256FA9C}"/>
+                </a:ext>
+              </a:extLst>
+            </p:cNvPr>
+            <p:cNvSpPr txBox="1"/>
+            <p:nvPr/>
+          </p:nvSpPr>
+          <p:spPr>
+            <a:xfrm>
+              <a:off x="4142850" y="2127766"/>
+              <a:ext cx="478016" cy="338554"/>
+            </a:xfrm>
+            <a:prstGeom prst="rect">
+              <a:avLst/>
+            </a:prstGeom>
+            <a:noFill/>
+          </p:spPr>
+          <p:txBody>
+            <a:bodyPr wrap="none" rtlCol="0">
+              <a:spAutoFit/>
+            </a:bodyPr>
+            <a:lstStyle/>
+            <a:p>
+              <a:r>
+                <a:rPr lang="en-US" sz="1600" dirty="0"/>
+                <a:t>link</a:t>
+              </a:r>
+            </a:p>
+          </p:txBody>
+        </p:sp>
+        <p:sp>
+          <p:nvSpPr>
+            <p:cNvPr id="27" name="TextBox 26">
+              <a:extLst>
+                <a:ext uri="{FF2B5EF4-FFF2-40B4-BE49-F238E27FC236}">
+                  <a16:creationId xmlns:a16="http://schemas.microsoft.com/office/drawing/2014/main" id="{A5D37536-D833-4B7C-8C75-04076CABAE43}"/>
+                </a:ext>
+              </a:extLst>
+            </p:cNvPr>
+            <p:cNvSpPr txBox="1"/>
+            <p:nvPr/>
+          </p:nvSpPr>
+          <p:spPr>
+            <a:xfrm>
+              <a:off x="3607750" y="3354515"/>
+              <a:ext cx="851387" cy="338554"/>
+            </a:xfrm>
+            <a:prstGeom prst="rect">
+              <a:avLst/>
+            </a:prstGeom>
+            <a:noFill/>
+          </p:spPr>
+          <p:txBody>
+            <a:bodyPr wrap="none" rtlCol="0">
+              <a:spAutoFit/>
+            </a:bodyPr>
+            <a:lstStyle/>
+            <a:p>
+              <a:r>
+                <a:rPr lang="en-US" sz="1600" dirty="0"/>
+                <a:t>connect</a:t>
+              </a:r>
+            </a:p>
+          </p:txBody>
+        </p:sp>
+        <p:sp>
+          <p:nvSpPr>
+            <p:cNvPr id="28" name="TextBox 27">
+              <a:extLst>
+                <a:ext uri="{FF2B5EF4-FFF2-40B4-BE49-F238E27FC236}">
+                  <a16:creationId xmlns:a16="http://schemas.microsoft.com/office/drawing/2014/main" id="{CB30C79A-3E1E-4CDE-A569-0C7FE3634888}"/>
+                </a:ext>
+              </a:extLst>
+            </p:cNvPr>
+            <p:cNvSpPr txBox="1"/>
+            <p:nvPr/>
+          </p:nvSpPr>
+          <p:spPr>
+            <a:xfrm>
+              <a:off x="5318782" y="2725472"/>
+              <a:ext cx="1140633" cy="338554"/>
+            </a:xfrm>
+            <a:prstGeom prst="rect">
+              <a:avLst/>
+            </a:prstGeom>
+            <a:noFill/>
+          </p:spPr>
+          <p:txBody>
+            <a:bodyPr wrap="none" rtlCol="0">
+              <a:spAutoFit/>
+            </a:bodyPr>
+            <a:lstStyle/>
+            <a:p>
+              <a:r>
+                <a:rPr lang="en-US" sz="1600" dirty="0"/>
+                <a:t>consolidate</a:t>
+              </a:r>
+            </a:p>
+          </p:txBody>
+        </p:sp>
+        <p:sp>
+          <p:nvSpPr>
+            <p:cNvPr id="29" name="TextBox 28">
+              <a:extLst>
+                <a:ext uri="{FF2B5EF4-FFF2-40B4-BE49-F238E27FC236}">
+                  <a16:creationId xmlns:a16="http://schemas.microsoft.com/office/drawing/2014/main" id="{F4DF2870-45D1-4F53-B356-7ACD89B43483}"/>
+                </a:ext>
+              </a:extLst>
+            </p:cNvPr>
+            <p:cNvSpPr txBox="1"/>
+            <p:nvPr/>
+          </p:nvSpPr>
+          <p:spPr>
+            <a:xfrm>
+              <a:off x="7772400" y="2108472"/>
+              <a:ext cx="1206549" cy="338554"/>
+            </a:xfrm>
+            <a:prstGeom prst="rect">
+              <a:avLst/>
+            </a:prstGeom>
+            <a:noFill/>
+          </p:spPr>
+          <p:txBody>
+            <a:bodyPr wrap="none" rtlCol="0">
+              <a:spAutoFit/>
+            </a:bodyPr>
+            <a:lstStyle/>
+            <a:p>
+              <a:r>
+                <a:rPr lang="en-US" sz="1600" dirty="0"/>
+                <a:t>stabilized by</a:t>
+              </a:r>
+            </a:p>
+          </p:txBody>
+        </p:sp>
+        <p:cxnSp>
+          <p:nvCxnSpPr>
+            <p:cNvPr id="30" name="Straight Arrow Connector 29">
+              <a:extLst>
+                <a:ext uri="{FF2B5EF4-FFF2-40B4-BE49-F238E27FC236}">
+                  <a16:creationId xmlns:a16="http://schemas.microsoft.com/office/drawing/2014/main" id="{93C795AB-0798-464F-8749-ACEF809BD9EC}"/>
+                </a:ext>
+              </a:extLst>
+            </p:cNvPr>
+            <p:cNvCxnSpPr>
+              <a:cxnSpLocks/>
+            </p:cNvCxnSpPr>
+            <p:nvPr/>
+          </p:nvCxnSpPr>
+          <p:spPr>
+            <a:xfrm flipV="1">
+              <a:off x="7772400" y="1739146"/>
+              <a:ext cx="0" cy="1077206"/>
+            </a:xfrm>
+            <a:prstGeom prst="straightConnector1">
+              <a:avLst/>
+            </a:prstGeom>
+            <a:ln w="28575">
+              <a:tailEnd type="triangle"/>
+            </a:ln>
+          </p:spPr>
+          <p:style>
+            <a:lnRef idx="1">
+              <a:schemeClr val="dk1"/>
+            </a:lnRef>
+            <a:fillRef idx="0">
+              <a:schemeClr val="dk1"/>
+            </a:fillRef>
+            <a:effectRef idx="0">
+              <a:schemeClr val="dk1"/>
+            </a:effectRef>
+            <a:fontRef idx="minor">
+              <a:schemeClr val="tx1"/>
+            </a:fontRef>
+          </p:style>
+        </p:cxnSp>
+        <p:sp>
+          <p:nvSpPr>
+            <p:cNvPr id="34" name="TextBox 33">
+              <a:extLst>
+                <a:ext uri="{FF2B5EF4-FFF2-40B4-BE49-F238E27FC236}">
+                  <a16:creationId xmlns:a16="http://schemas.microsoft.com/office/drawing/2014/main" id="{324D75CB-8108-4BF9-8CB7-0CB45F27E149}"/>
+                </a:ext>
+              </a:extLst>
+            </p:cNvPr>
+            <p:cNvSpPr txBox="1"/>
+            <p:nvPr/>
+          </p:nvSpPr>
+          <p:spPr>
+            <a:xfrm>
+              <a:off x="6254651" y="1305806"/>
+              <a:ext cx="2574807" cy="369332"/>
+            </a:xfrm>
+            <a:prstGeom prst="rect">
+              <a:avLst/>
+            </a:prstGeom>
+            <a:noFill/>
+          </p:spPr>
+          <p:txBody>
+            <a:bodyPr wrap="none" rtlCol="0">
+              <a:spAutoFit/>
+            </a:bodyPr>
+            <a:lstStyle/>
+            <a:p>
+              <a:r>
+                <a:rPr lang="en-US" dirty="0"/>
+                <a:t>van der Waals interaction</a:t>
+              </a:r>
+            </a:p>
+          </p:txBody>
+        </p:sp>
+        <p:cxnSp>
+          <p:nvCxnSpPr>
+            <p:cNvPr id="35" name="Straight Arrow Connector 34">
+              <a:extLst>
+                <a:ext uri="{FF2B5EF4-FFF2-40B4-BE49-F238E27FC236}">
+                  <a16:creationId xmlns:a16="http://schemas.microsoft.com/office/drawing/2014/main" id="{D711A623-21E4-435A-985E-71C31763C149}"/>
+                </a:ext>
+              </a:extLst>
+            </p:cNvPr>
+            <p:cNvCxnSpPr>
+              <a:cxnSpLocks/>
+            </p:cNvCxnSpPr>
+            <p:nvPr/>
+          </p:nvCxnSpPr>
+          <p:spPr>
+            <a:xfrm>
+              <a:off x="7324344" y="1739146"/>
+              <a:ext cx="0" cy="1077206"/>
+            </a:xfrm>
+            <a:prstGeom prst="straightConnector1">
+              <a:avLst/>
+            </a:prstGeom>
+            <a:ln w="28575">
+              <a:tailEnd type="triangle"/>
+            </a:ln>
+          </p:spPr>
+          <p:style>
+            <a:lnRef idx="1">
+              <a:schemeClr val="dk1"/>
+            </a:lnRef>
+            <a:fillRef idx="0">
+              <a:schemeClr val="dk1"/>
+            </a:fillRef>
+            <a:effectRef idx="0">
+              <a:schemeClr val="dk1"/>
+            </a:effectRef>
+            <a:fontRef idx="minor">
+              <a:schemeClr val="tx1"/>
+            </a:fontRef>
+          </p:style>
+        </p:cxnSp>
+        <p:sp>
+          <p:nvSpPr>
+            <p:cNvPr id="39" name="TextBox 38">
+              <a:extLst>
+                <a:ext uri="{FF2B5EF4-FFF2-40B4-BE49-F238E27FC236}">
+                  <a16:creationId xmlns:a16="http://schemas.microsoft.com/office/drawing/2014/main" id="{50C5B230-B7A9-43CD-AAC7-BA9814D9D4DF}"/>
+                </a:ext>
+              </a:extLst>
+            </p:cNvPr>
+            <p:cNvSpPr txBox="1"/>
+            <p:nvPr/>
+          </p:nvSpPr>
+          <p:spPr>
+            <a:xfrm>
+              <a:off x="6389393" y="2126761"/>
+              <a:ext cx="933461" cy="338554"/>
+            </a:xfrm>
+            <a:prstGeom prst="rect">
+              <a:avLst/>
+            </a:prstGeom>
+            <a:noFill/>
+          </p:spPr>
+          <p:txBody>
+            <a:bodyPr wrap="none" rtlCol="0">
+              <a:spAutoFit/>
+            </a:bodyPr>
+            <a:lstStyle/>
+            <a:p>
+              <a:r>
+                <a:rPr lang="en-US" sz="1600" dirty="0"/>
+                <a:t>stabilizes</a:t>
+              </a:r>
+            </a:p>
+          </p:txBody>
+        </p:sp>
+        <p:cxnSp>
+          <p:nvCxnSpPr>
+            <p:cNvPr id="40" name="Straight Arrow Connector 39">
+              <a:extLst>
+                <a:ext uri="{FF2B5EF4-FFF2-40B4-BE49-F238E27FC236}">
+                  <a16:creationId xmlns:a16="http://schemas.microsoft.com/office/drawing/2014/main" id="{632E3AD2-8C3C-4F2D-9B44-D0148A79AF2A}"/>
+                </a:ext>
+              </a:extLst>
+            </p:cNvPr>
+            <p:cNvCxnSpPr>
+              <a:cxnSpLocks/>
+            </p:cNvCxnSpPr>
+            <p:nvPr/>
+          </p:nvCxnSpPr>
+          <p:spPr>
+            <a:xfrm flipH="1">
+              <a:off x="6541624" y="3313700"/>
+              <a:ext cx="700424" cy="919972"/>
+            </a:xfrm>
+            <a:prstGeom prst="straightConnector1">
+              <a:avLst/>
+            </a:prstGeom>
+            <a:ln w="28575">
+              <a:tailEnd type="triangle"/>
+            </a:ln>
+          </p:spPr>
+          <p:style>
+            <a:lnRef idx="1">
+              <a:schemeClr val="dk1"/>
+            </a:lnRef>
+            <a:fillRef idx="0">
+              <a:schemeClr val="dk1"/>
+            </a:fillRef>
+            <a:effectRef idx="0">
+              <a:schemeClr val="dk1"/>
+            </a:effectRef>
+            <a:fontRef idx="minor">
+              <a:schemeClr val="tx1"/>
+            </a:fontRef>
+          </p:style>
+        </p:cxnSp>
+        <p:sp>
+          <p:nvSpPr>
+            <p:cNvPr id="43" name="TextBox 42">
+              <a:extLst>
+                <a:ext uri="{FF2B5EF4-FFF2-40B4-BE49-F238E27FC236}">
+                  <a16:creationId xmlns:a16="http://schemas.microsoft.com/office/drawing/2014/main" id="{3B3A1886-3011-4401-8DA8-F926C53DB0BF}"/>
+                </a:ext>
+              </a:extLst>
+            </p:cNvPr>
+            <p:cNvSpPr txBox="1"/>
+            <p:nvPr/>
+          </p:nvSpPr>
+          <p:spPr>
+            <a:xfrm>
+              <a:off x="5446644" y="4233672"/>
+              <a:ext cx="1608325" cy="369332"/>
+            </a:xfrm>
+            <a:prstGeom prst="rect">
+              <a:avLst/>
+            </a:prstGeom>
+            <a:noFill/>
+          </p:spPr>
+          <p:txBody>
+            <a:bodyPr wrap="none" rtlCol="0">
+              <a:spAutoFit/>
+            </a:bodyPr>
+            <a:lstStyle/>
+            <a:p>
+              <a:r>
+                <a:rPr lang="en-US" dirty="0"/>
+                <a:t>hydrogen bond</a:t>
+              </a:r>
+            </a:p>
+          </p:txBody>
+        </p:sp>
+        <p:sp>
+          <p:nvSpPr>
+            <p:cNvPr id="47" name="TextBox 46">
+              <a:extLst>
+                <a:ext uri="{FF2B5EF4-FFF2-40B4-BE49-F238E27FC236}">
+                  <a16:creationId xmlns:a16="http://schemas.microsoft.com/office/drawing/2014/main" id="{0916D537-48E9-483E-B1C8-4979F3EF53AB}"/>
+                </a:ext>
+              </a:extLst>
+            </p:cNvPr>
+            <p:cNvSpPr txBox="1"/>
+            <p:nvPr/>
+          </p:nvSpPr>
+          <p:spPr>
+            <a:xfrm>
+              <a:off x="6938779" y="3652248"/>
+              <a:ext cx="1264577" cy="338554"/>
+            </a:xfrm>
+            <a:prstGeom prst="rect">
+              <a:avLst/>
+            </a:prstGeom>
+            <a:noFill/>
+          </p:spPr>
+          <p:txBody>
+            <a:bodyPr wrap="none" rtlCol="0">
+              <a:spAutoFit/>
+            </a:bodyPr>
+            <a:lstStyle/>
+            <a:p>
+              <a:r>
+                <a:rPr lang="en-US" sz="1600" dirty="0"/>
+                <a:t>derived from</a:t>
+              </a:r>
+            </a:p>
+          </p:txBody>
+        </p:sp>
+      </p:grpSp>
+    </p:spTree>
+    <p:extLst>
+      <p:ext uri="{BB962C8B-B14F-4D97-AF65-F5344CB8AC3E}">
+        <p14:creationId xmlns:p14="http://schemas.microsoft.com/office/powerpoint/2010/main" val="3455197534"/>
+      </p:ext>
+    </p:extLst>
+  </p:cSld>
+  <p:clrMapOvr>
+    <a:masterClrMapping/>
+  </p:clrMapOvr>
+</p:sld>
+</file>
+
+<file path=ppt/slides/slide16.xml><?xml version="1.0" encoding="utf-8"?>
 <p:sld xmlns:a="http://schemas.openxmlformats.org/drawingml/2006/main" xmlns:r="http://schemas.openxmlformats.org/officeDocument/2006/relationships" xmlns:p="http://schemas.openxmlformats.org/presentationml/2006/main">
   <p:cSld>
     <p:spTree>
@@ -7031,7 +7762,7 @@
 </p:sld>
 </file>
 
-<file path=ppt/slides/slide16.xml><?xml version="1.0" encoding="utf-8"?>
+<file path=ppt/slides/slide17.xml><?xml version="1.0" encoding="utf-8"?>
 <p:sld xmlns:a="http://schemas.openxmlformats.org/drawingml/2006/main" xmlns:r="http://schemas.openxmlformats.org/officeDocument/2006/relationships" xmlns:p="http://schemas.openxmlformats.org/presentationml/2006/main">
   <p:cSld>
     <p:spTree>
